--- a/doc/第七组第一阶段评审 .pptx
+++ b/doc/第七组第一阶段评审 .pptx
@@ -5,7 +5,7 @@
     <p:sldMasterId id="2147483648" r:id="rId1"/>
   </p:sldMasterIdLst>
   <p:notesMasterIdLst>
-    <p:notesMasterId r:id="rId20"/>
+    <p:notesMasterId r:id="rId22"/>
   </p:notesMasterIdLst>
   <p:sldIdLst>
     <p:sldId id="257" r:id="rId2"/>
@@ -24,8 +24,10 @@
     <p:sldId id="274" r:id="rId15"/>
     <p:sldId id="266" r:id="rId16"/>
     <p:sldId id="275" r:id="rId17"/>
-    <p:sldId id="273" r:id="rId18"/>
-    <p:sldId id="267" r:id="rId19"/>
+    <p:sldId id="276" r:id="rId18"/>
+    <p:sldId id="277" r:id="rId19"/>
+    <p:sldId id="278" r:id="rId20"/>
+    <p:sldId id="267" r:id="rId21"/>
   </p:sldIdLst>
   <p:sldSz cx="12192000" cy="6858000"/>
   <p:notesSz cx="6858000" cy="9144000"/>
@@ -214,7 +216,7 @@
           <a:p>
             <a:fld id="{F494ECF9-4556-4603-8519-B97256324B83}" type="datetimeFigureOut">
               <a:rPr lang="zh-CN" altLang="en-US" smtClean="0"/>
-              <a:t>2023/10/18</a:t>
+              <a:t>2023/10/19</a:t>
             </a:fld>
             <a:endParaRPr lang="zh-CN" altLang="en-US"/>
           </a:p>
@@ -772,7 +774,7 @@
           <a:p>
             <a:fld id="{0BCCCCFA-9B41-4B83-923D-96D04CCF3BF3}" type="datetimeFigureOut">
               <a:rPr lang="zh-CN" altLang="en-US" smtClean="0"/>
-              <a:t>2023/10/18</a:t>
+              <a:t>2023/10/19</a:t>
             </a:fld>
             <a:endParaRPr lang="zh-CN" altLang="en-US"/>
           </a:p>
@@ -970,7 +972,7 @@
           <a:p>
             <a:fld id="{0BCCCCFA-9B41-4B83-923D-96D04CCF3BF3}" type="datetimeFigureOut">
               <a:rPr lang="zh-CN" altLang="en-US" smtClean="0"/>
-              <a:t>2023/10/18</a:t>
+              <a:t>2023/10/19</a:t>
             </a:fld>
             <a:endParaRPr lang="zh-CN" altLang="en-US"/>
           </a:p>
@@ -1178,7 +1180,7 @@
           <a:p>
             <a:fld id="{0BCCCCFA-9B41-4B83-923D-96D04CCF3BF3}" type="datetimeFigureOut">
               <a:rPr lang="zh-CN" altLang="en-US" smtClean="0"/>
-              <a:t>2023/10/18</a:t>
+              <a:t>2023/10/19</a:t>
             </a:fld>
             <a:endParaRPr lang="zh-CN" altLang="en-US"/>
           </a:p>
@@ -1376,7 +1378,7 @@
           <a:p>
             <a:fld id="{0BCCCCFA-9B41-4B83-923D-96D04CCF3BF3}" type="datetimeFigureOut">
               <a:rPr lang="zh-CN" altLang="en-US" smtClean="0"/>
-              <a:t>2023/10/18</a:t>
+              <a:t>2023/10/19</a:t>
             </a:fld>
             <a:endParaRPr lang="zh-CN" altLang="en-US"/>
           </a:p>
@@ -1651,7 +1653,7 @@
           <a:p>
             <a:fld id="{0BCCCCFA-9B41-4B83-923D-96D04CCF3BF3}" type="datetimeFigureOut">
               <a:rPr lang="zh-CN" altLang="en-US" smtClean="0"/>
-              <a:t>2023/10/18</a:t>
+              <a:t>2023/10/19</a:t>
             </a:fld>
             <a:endParaRPr lang="zh-CN" altLang="en-US"/>
           </a:p>
@@ -1916,7 +1918,7 @@
           <a:p>
             <a:fld id="{0BCCCCFA-9B41-4B83-923D-96D04CCF3BF3}" type="datetimeFigureOut">
               <a:rPr lang="zh-CN" altLang="en-US" smtClean="0"/>
-              <a:t>2023/10/18</a:t>
+              <a:t>2023/10/19</a:t>
             </a:fld>
             <a:endParaRPr lang="zh-CN" altLang="en-US"/>
           </a:p>
@@ -2328,7 +2330,7 @@
           <a:p>
             <a:fld id="{0BCCCCFA-9B41-4B83-923D-96D04CCF3BF3}" type="datetimeFigureOut">
               <a:rPr lang="zh-CN" altLang="en-US" smtClean="0"/>
-              <a:t>2023/10/18</a:t>
+              <a:t>2023/10/19</a:t>
             </a:fld>
             <a:endParaRPr lang="zh-CN" altLang="en-US"/>
           </a:p>
@@ -2469,7 +2471,7 @@
           <a:p>
             <a:fld id="{0BCCCCFA-9B41-4B83-923D-96D04CCF3BF3}" type="datetimeFigureOut">
               <a:rPr lang="zh-CN" altLang="en-US" smtClean="0"/>
-              <a:t>2023/10/18</a:t>
+              <a:t>2023/10/19</a:t>
             </a:fld>
             <a:endParaRPr lang="zh-CN" altLang="en-US"/>
           </a:p>
@@ -2582,7 +2584,7 @@
           <a:p>
             <a:fld id="{0BCCCCFA-9B41-4B83-923D-96D04CCF3BF3}" type="datetimeFigureOut">
               <a:rPr lang="zh-CN" altLang="en-US" smtClean="0"/>
-              <a:t>2023/10/18</a:t>
+              <a:t>2023/10/19</a:t>
             </a:fld>
             <a:endParaRPr lang="zh-CN" altLang="en-US"/>
           </a:p>
@@ -2893,7 +2895,7 @@
           <a:p>
             <a:fld id="{0BCCCCFA-9B41-4B83-923D-96D04CCF3BF3}" type="datetimeFigureOut">
               <a:rPr lang="zh-CN" altLang="en-US" smtClean="0"/>
-              <a:t>2023/10/18</a:t>
+              <a:t>2023/10/19</a:t>
             </a:fld>
             <a:endParaRPr lang="zh-CN" altLang="en-US"/>
           </a:p>
@@ -3181,7 +3183,7 @@
           <a:p>
             <a:fld id="{0BCCCCFA-9B41-4B83-923D-96D04CCF3BF3}" type="datetimeFigureOut">
               <a:rPr lang="zh-CN" altLang="en-US" smtClean="0"/>
-              <a:t>2023/10/18</a:t>
+              <a:t>2023/10/19</a:t>
             </a:fld>
             <a:endParaRPr lang="zh-CN" altLang="en-US"/>
           </a:p>
@@ -3422,7 +3424,7 @@
           <a:p>
             <a:fld id="{0BCCCCFA-9B41-4B83-923D-96D04CCF3BF3}" type="datetimeFigureOut">
               <a:rPr lang="zh-CN" altLang="en-US" smtClean="0"/>
-              <a:t>2023/10/18</a:t>
+              <a:t>2023/10/19</a:t>
             </a:fld>
             <a:endParaRPr lang="zh-CN" altLang="en-US"/>
           </a:p>
@@ -12226,10 +12228,10 @@
       </p:sp>
       <p:pic>
         <p:nvPicPr>
-          <p:cNvPr id="26" name="图片 25">
+          <p:cNvPr id="25" name="图片 24">
             <a:extLst>
               <a:ext uri="{FF2B5EF4-FFF2-40B4-BE49-F238E27FC236}">
-                <a16:creationId xmlns:a16="http://schemas.microsoft.com/office/drawing/2014/main" id="{930845C5-83DC-8E2E-C03A-9F417E52C919}"/>
+                <a16:creationId xmlns:a16="http://schemas.microsoft.com/office/drawing/2014/main" id="{38F18C15-47BA-2490-2189-A5C5F5BB26FD}"/>
               </a:ext>
             </a:extLst>
           </p:cNvPr>
@@ -12239,15 +12241,21 @@
           <p:nvPr/>
         </p:nvPicPr>
         <p:blipFill>
-          <a:blip r:embed="rId8"/>
+          <a:blip r:embed="rId8">
+            <a:extLst>
+              <a:ext uri="{28A0092B-C50C-407E-A947-70E740481C1C}">
+                <a14:useLocalDpi xmlns:a14="http://schemas.microsoft.com/office/drawing/2010/main" val="0"/>
+              </a:ext>
+            </a:extLst>
+          </a:blip>
           <a:stretch>
             <a:fillRect/>
           </a:stretch>
         </p:blipFill>
         <p:spPr>
           <a:xfrm>
-            <a:off x="3345658" y="1254388"/>
-            <a:ext cx="7787761" cy="4369692"/>
+            <a:off x="3050381" y="1030743"/>
+            <a:ext cx="8348661" cy="4644754"/>
           </a:xfrm>
           <a:prstGeom prst="rect">
             <a:avLst/>
@@ -12257,7 +12265,7 @@
     </p:spTree>
     <p:extLst>
       <p:ext uri="{BB962C8B-B14F-4D97-AF65-F5344CB8AC3E}">
-        <p14:creationId xmlns:p14="http://schemas.microsoft.com/office/powerpoint/2010/main" val="1114297562"/>
+        <p14:creationId xmlns:p14="http://schemas.microsoft.com/office/powerpoint/2010/main" val="878478247"/>
       </p:ext>
     </p:extLst>
   </p:cSld>
@@ -12296,9 +12304,9 @@
         <p:grpSpPr>
           <a:xfrm>
             <a:off x="0" y="0"/>
-            <a:ext cx="12192000" cy="5145525"/>
+            <a:ext cx="2217902" cy="6874826"/>
             <a:chOff x="0" y="0"/>
-            <a:chExt cx="4816593" cy="2032800"/>
+            <a:chExt cx="876208" cy="2709333"/>
           </a:xfrm>
         </p:grpSpPr>
         <p:sp>
@@ -12310,7 +12318,7 @@
           <p:spPr>
             <a:xfrm>
               <a:off x="0" y="0"/>
-              <a:ext cx="4816592" cy="2032800"/>
+              <a:ext cx="876208" cy="2709333"/>
             </a:xfrm>
             <a:custGeom>
               <a:avLst/>
@@ -12319,18 +12327,18 @@
               <a:cxnLst/>
               <a:rect l="l" t="t" r="r" b="b"/>
               <a:pathLst>
-                <a:path w="4816592" h="2032800">
+                <a:path w="876208" h="2709333">
                   <a:moveTo>
                     <a:pt x="0" y="0"/>
                   </a:moveTo>
                   <a:lnTo>
-                    <a:pt x="4816592" y="0"/>
-                  </a:lnTo>
-                  <a:lnTo>
-                    <a:pt x="4816592" y="2032800"/>
-                  </a:lnTo>
-                  <a:lnTo>
-                    <a:pt x="0" y="2032800"/>
+                    <a:pt x="876208" y="0"/>
+                  </a:lnTo>
+                  <a:lnTo>
+                    <a:pt x="876208" y="2709333"/>
+                  </a:lnTo>
+                  <a:lnTo>
+                    <a:pt x="0" y="2709333"/>
                   </a:lnTo>
                   <a:close/>
                 </a:path>
@@ -12344,7 +12352,16 @@
             <a:bodyPr/>
             <a:lstStyle/>
             <a:p>
-              <a:endParaRPr lang="zh-CN" altLang="en-US" sz="1200"/>
+              <a:pPr defTabSz="609630">
+                <a:defRPr/>
+              </a:pPr>
+              <a:endParaRPr lang="zh-CN" altLang="en-US" sz="1200">
+                <a:solidFill>
+                  <a:prstClr val="black"/>
+                </a:solidFill>
+                <a:latin typeface="Calibri"/>
+                <a:ea typeface="宋体" panose="02010600030101010101" pitchFamily="2" charset="-122"/>
+              </a:endParaRPr>
             </a:p>
           </p:txBody>
         </p:sp>
@@ -12367,136 +12384,62 @@
             <a:bodyPr lIns="33867" tIns="33867" rIns="33867" bIns="33867" rtlCol="0" anchor="ctr"/>
             <a:lstStyle/>
             <a:p>
-              <a:pPr algn="ctr">
+              <a:pPr algn="ctr" defTabSz="609630">
                 <a:lnSpc>
                   <a:spcPts val="1773"/>
                 </a:lnSpc>
+                <a:defRPr/>
               </a:pPr>
-              <a:endParaRPr sz="1200"/>
+              <a:endParaRPr sz="1200">
+                <a:solidFill>
+                  <a:prstClr val="black"/>
+                </a:solidFill>
+                <a:latin typeface="Calibri"/>
+              </a:endParaRPr>
             </a:p>
           </p:txBody>
         </p:sp>
       </p:grpSp>
-      <p:sp>
-        <p:nvSpPr>
-          <p:cNvPr id="5" name="TextBox 5"/>
-          <p:cNvSpPr txBox="1"/>
-          <p:nvPr/>
-        </p:nvSpPr>
-        <p:spPr>
-          <a:xfrm>
-            <a:off x="841378" y="3001068"/>
-            <a:ext cx="10509244" cy="692497"/>
-          </a:xfrm>
-          <a:prstGeom prst="rect">
-            <a:avLst/>
-          </a:prstGeom>
-        </p:spPr>
-        <p:txBody>
-          <a:bodyPr lIns="0" tIns="0" rIns="0" bIns="0" rtlCol="0" anchor="t">
-            <a:spAutoFit/>
-          </a:bodyPr>
-          <a:lstStyle/>
-          <a:p>
-            <a:pPr algn="ctr">
-              <a:lnSpc>
-                <a:spcPts val="5397"/>
-              </a:lnSpc>
-            </a:pPr>
-            <a:r>
-              <a:rPr lang="en-US" sz="4906" spc="490" dirty="0" err="1">
-                <a:solidFill>
-                  <a:srgbClr val="FFFFFF"/>
-                </a:solidFill>
-                <a:ea typeface="思源黑体 Bold"/>
-              </a:rPr>
-              <a:t>谢谢大家</a:t>
-            </a:r>
-            <a:endParaRPr lang="en-US" sz="4906" spc="490" dirty="0">
-              <a:solidFill>
-                <a:srgbClr val="FFFFFF"/>
-              </a:solidFill>
-              <a:ea typeface="思源黑体 Bold"/>
-            </a:endParaRPr>
-          </a:p>
-        </p:txBody>
-      </p:sp>
-      <p:sp>
-        <p:nvSpPr>
-          <p:cNvPr id="6" name="TextBox 6"/>
-          <p:cNvSpPr txBox="1"/>
-          <p:nvPr/>
-        </p:nvSpPr>
-        <p:spPr>
-          <a:xfrm>
-            <a:off x="841378" y="1876105"/>
-            <a:ext cx="10509244" cy="974626"/>
-          </a:xfrm>
-          <a:prstGeom prst="rect">
-            <a:avLst/>
-          </a:prstGeom>
-        </p:spPr>
-        <p:txBody>
-          <a:bodyPr lIns="0" tIns="0" rIns="0" bIns="0" rtlCol="0" anchor="t">
-            <a:spAutoFit/>
-          </a:bodyPr>
-          <a:lstStyle/>
-          <a:p>
-            <a:pPr algn="ctr">
-              <a:lnSpc>
-                <a:spcPts val="7596"/>
-              </a:lnSpc>
-            </a:pPr>
-            <a:r>
-              <a:rPr lang="en-US" sz="6906" spc="338">
-                <a:solidFill>
-                  <a:srgbClr val="FFFFFF"/>
-                </a:solidFill>
-                <a:latin typeface="思源黑体 Heavy"/>
-              </a:rPr>
-              <a:t>THANK YOU</a:t>
-            </a:r>
-          </a:p>
-        </p:txBody>
-      </p:sp>
       <p:grpSp>
         <p:nvGrpSpPr>
-          <p:cNvPr id="7" name="Group 7"/>
+          <p:cNvPr id="5" name="Group 5"/>
           <p:cNvGrpSpPr/>
           <p:nvPr/>
         </p:nvGrpSpPr>
         <p:grpSpPr>
           <a:xfrm>
-            <a:off x="4001054" y="5783575"/>
-            <a:ext cx="4189893" cy="388625"/>
+            <a:off x="685801" y="503113"/>
+            <a:ext cx="778595" cy="778595"/>
             <a:chOff x="0" y="0"/>
-            <a:chExt cx="8379787" cy="777251"/>
+            <a:chExt cx="1557191" cy="1557191"/>
           </a:xfrm>
         </p:grpSpPr>
         <p:grpSp>
           <p:nvGrpSpPr>
-            <p:cNvPr id="8" name="Group 8"/>
-            <p:cNvGrpSpPr/>
+            <p:cNvPr id="6" name="Group 6"/>
+            <p:cNvGrpSpPr>
+              <a:grpSpLocks noChangeAspect="1"/>
+            </p:cNvGrpSpPr>
             <p:nvPr/>
           </p:nvGrpSpPr>
           <p:grpSpPr>
             <a:xfrm>
               <a:off x="0" y="0"/>
-              <a:ext cx="777251" cy="777251"/>
-              <a:chOff x="0" y="0"/>
-              <a:chExt cx="812800" cy="812800"/>
+              <a:ext cx="1557191" cy="1557191"/>
+              <a:chOff x="-2540" y="-2540"/>
+              <a:chExt cx="6355080" cy="6355080"/>
             </a:xfrm>
           </p:grpSpPr>
           <p:sp>
             <p:nvSpPr>
-              <p:cNvPr id="9" name="Freeform 9"/>
+              <p:cNvPr id="7" name="Freeform 7"/>
               <p:cNvSpPr/>
               <p:nvPr/>
             </p:nvSpPr>
             <p:spPr>
               <a:xfrm>
-                <a:off x="0" y="0"/>
-                <a:ext cx="812800" cy="812800"/>
+                <a:off x="-2540" y="-2540"/>
+                <a:ext cx="6355080" cy="6355080"/>
               </a:xfrm>
               <a:custGeom>
                 <a:avLst/>
@@ -12505,85 +12448,130 @@
                 <a:cxnLst/>
                 <a:rect l="l" t="t" r="r" b="b"/>
                 <a:pathLst>
-                  <a:path w="812800" h="812800">
+                  <a:path w="6355080" h="6355080">
                     <a:moveTo>
-                      <a:pt x="406400" y="0"/>
+                      <a:pt x="3177540" y="6355080"/>
                     </a:moveTo>
                     <a:cubicBezTo>
-                      <a:pt x="181951" y="0"/>
-                      <a:pt x="0" y="181951"/>
-                      <a:pt x="0" y="406400"/>
-                    </a:cubicBezTo>
-                    <a:cubicBezTo>
-                      <a:pt x="0" y="630849"/>
-                      <a:pt x="181951" y="812800"/>
-                      <a:pt x="406400" y="812800"/>
-                    </a:cubicBezTo>
-                    <a:cubicBezTo>
-                      <a:pt x="630849" y="812800"/>
-                      <a:pt x="812800" y="630849"/>
-                      <a:pt x="812800" y="406400"/>
-                    </a:cubicBezTo>
-                    <a:cubicBezTo>
-                      <a:pt x="812800" y="181951"/>
-                      <a:pt x="630849" y="0"/>
-                      <a:pt x="406400" y="0"/>
+                      <a:pt x="2329180" y="6355080"/>
+                      <a:pt x="1530350" y="6024880"/>
+                      <a:pt x="930910" y="5424170"/>
+                    </a:cubicBezTo>
+                    <a:cubicBezTo>
+                      <a:pt x="330200" y="4824730"/>
+                      <a:pt x="0" y="4025900"/>
+                      <a:pt x="0" y="3177540"/>
+                    </a:cubicBezTo>
+                    <a:cubicBezTo>
+                      <a:pt x="0" y="2329180"/>
+                      <a:pt x="330200" y="1530350"/>
+                      <a:pt x="930910" y="930910"/>
+                    </a:cubicBezTo>
+                    <a:cubicBezTo>
+                      <a:pt x="1530350" y="330200"/>
+                      <a:pt x="2329180" y="0"/>
+                      <a:pt x="3177540" y="0"/>
+                    </a:cubicBezTo>
+                    <a:cubicBezTo>
+                      <a:pt x="4025900" y="0"/>
+                      <a:pt x="4824730" y="330200"/>
+                      <a:pt x="5424170" y="930910"/>
+                    </a:cubicBezTo>
+                    <a:cubicBezTo>
+                      <a:pt x="6024880" y="1531620"/>
+                      <a:pt x="6355080" y="2329180"/>
+                      <a:pt x="6355080" y="3177540"/>
+                    </a:cubicBezTo>
+                    <a:cubicBezTo>
+                      <a:pt x="6355080" y="4025900"/>
+                      <a:pt x="6024880" y="4824730"/>
+                      <a:pt x="5424170" y="5424170"/>
+                    </a:cubicBezTo>
+                    <a:cubicBezTo>
+                      <a:pt x="4824730" y="6024880"/>
+                      <a:pt x="4025900" y="6355080"/>
+                      <a:pt x="3177540" y="6355080"/>
+                    </a:cubicBezTo>
+                    <a:close/>
+                    <a:moveTo>
+                      <a:pt x="3177540" y="190500"/>
+                    </a:moveTo>
+                    <a:cubicBezTo>
+                      <a:pt x="2379980" y="190500"/>
+                      <a:pt x="1629410" y="501650"/>
+                      <a:pt x="1065530" y="1065530"/>
+                    </a:cubicBezTo>
+                    <a:cubicBezTo>
+                      <a:pt x="501650" y="1629410"/>
+                      <a:pt x="190500" y="2379980"/>
+                      <a:pt x="190500" y="3177540"/>
+                    </a:cubicBezTo>
+                    <a:cubicBezTo>
+                      <a:pt x="190500" y="3975100"/>
+                      <a:pt x="501650" y="4725670"/>
+                      <a:pt x="1065530" y="5289550"/>
+                    </a:cubicBezTo>
+                    <a:cubicBezTo>
+                      <a:pt x="1629410" y="5853430"/>
+                      <a:pt x="2379980" y="6164580"/>
+                      <a:pt x="3177540" y="6164580"/>
+                    </a:cubicBezTo>
+                    <a:cubicBezTo>
+                      <a:pt x="3975100" y="6164580"/>
+                      <a:pt x="4725670" y="5853430"/>
+                      <a:pt x="5289550" y="5289550"/>
+                    </a:cubicBezTo>
+                    <a:cubicBezTo>
+                      <a:pt x="5853430" y="4725670"/>
+                      <a:pt x="6164580" y="3975100"/>
+                      <a:pt x="6164580" y="3177540"/>
+                    </a:cubicBezTo>
+                    <a:cubicBezTo>
+                      <a:pt x="6164580" y="2379980"/>
+                      <a:pt x="5853430" y="1629410"/>
+                      <a:pt x="5289550" y="1065530"/>
+                    </a:cubicBezTo>
+                    <a:cubicBezTo>
+                      <a:pt x="4725670" y="501650"/>
+                      <a:pt x="3975100" y="190500"/>
+                      <a:pt x="3177540" y="190500"/>
                     </a:cubicBezTo>
                     <a:close/>
                   </a:path>
                 </a:pathLst>
               </a:custGeom>
               <a:solidFill>
-                <a:srgbClr val="304370"/>
+                <a:srgbClr val="FFFFFF"/>
               </a:solidFill>
             </p:spPr>
             <p:txBody>
               <a:bodyPr/>
               <a:lstStyle/>
               <a:p>
-                <a:endParaRPr lang="zh-CN" altLang="en-US" sz="1200"/>
-              </a:p>
-            </p:txBody>
-          </p:sp>
-          <p:sp>
-            <p:nvSpPr>
-              <p:cNvPr id="10" name="TextBox 10"/>
-              <p:cNvSpPr txBox="1"/>
-              <p:nvPr/>
-            </p:nvSpPr>
-            <p:spPr>
-              <a:xfrm>
-                <a:off x="76200" y="28575"/>
-                <a:ext cx="660400" cy="708025"/>
-              </a:xfrm>
-              <a:prstGeom prst="rect">
-                <a:avLst/>
-              </a:prstGeom>
-            </p:spPr>
-            <p:txBody>
-              <a:bodyPr lIns="33867" tIns="33867" rIns="33867" bIns="33867" rtlCol="0" anchor="ctr"/>
-              <a:lstStyle/>
-              <a:p>
-                <a:pPr algn="ctr">
-                  <a:lnSpc>
-                    <a:spcPts val="1773"/>
-                  </a:lnSpc>
+                <a:pPr defTabSz="609630">
+                  <a:defRPr/>
                 </a:pPr>
-                <a:endParaRPr sz="1200"/>
+                <a:endParaRPr lang="zh-CN" altLang="en-US" sz="1200">
+                  <a:solidFill>
+                    <a:prstClr val="black"/>
+                  </a:solidFill>
+                  <a:latin typeface="Calibri"/>
+                  <a:ea typeface="宋体" panose="02010600030101010101" pitchFamily="2" charset="-122"/>
+                </a:endParaRPr>
               </a:p>
             </p:txBody>
           </p:sp>
         </p:grpSp>
         <p:sp>
           <p:nvSpPr>
-            <p:cNvPr id="11" name="Freeform 11"/>
+            <p:cNvPr id="8" name="Freeform 8"/>
             <p:cNvSpPr/>
             <p:nvPr/>
           </p:nvSpPr>
           <p:spPr>
             <a:xfrm>
-              <a:off x="229577" y="200533"/>
-              <a:ext cx="318097" cy="376184"/>
+              <a:off x="54639" y="54639"/>
+              <a:ext cx="1447913" cy="1447913"/>
             </a:xfrm>
             <a:custGeom>
               <a:avLst/>
@@ -12592,18 +12580,18 @@
               <a:cxnLst/>
               <a:rect l="l" t="t" r="r" b="b"/>
               <a:pathLst>
-                <a:path w="318097" h="376184">
+                <a:path w="1447913" h="1447913">
                   <a:moveTo>
                     <a:pt x="0" y="0"/>
                   </a:moveTo>
                   <a:lnTo>
-                    <a:pt x="318097" y="0"/>
-                  </a:lnTo>
-                  <a:lnTo>
-                    <a:pt x="318097" y="376185"/>
-                  </a:lnTo>
-                  <a:lnTo>
-                    <a:pt x="0" y="376185"/>
+                    <a:pt x="1447913" y="0"/>
+                  </a:lnTo>
+                  <a:lnTo>
+                    <a:pt x="1447913" y="1447913"/>
+                  </a:lnTo>
+                  <a:lnTo>
+                    <a:pt x="0" y="1447913"/>
                   </a:lnTo>
                   <a:lnTo>
                     <a:pt x="0" y="0"/>
@@ -12629,20 +12617,411 @@
             <a:bodyPr/>
             <a:lstStyle/>
             <a:p>
-              <a:endParaRPr lang="zh-CN" altLang="en-US" sz="1200"/>
+              <a:pPr defTabSz="609630">
+                <a:defRPr/>
+              </a:pPr>
+              <a:endParaRPr lang="zh-CN" altLang="en-US" sz="1200">
+                <a:solidFill>
+                  <a:prstClr val="black"/>
+                </a:solidFill>
+                <a:latin typeface="Calibri"/>
+                <a:ea typeface="宋体" panose="02010600030101010101" pitchFamily="2" charset="-122"/>
+              </a:endParaRPr>
             </a:p>
           </p:txBody>
         </p:sp>
         <p:sp>
           <p:nvSpPr>
-            <p:cNvPr id="12" name="TextBox 12"/>
+            <p:cNvPr id="10" name="Freeform 10"/>
+            <p:cNvSpPr/>
+            <p:nvPr/>
+          </p:nvSpPr>
+          <p:spPr>
+            <a:xfrm>
+              <a:off x="352546" y="589542"/>
+              <a:ext cx="852099" cy="707231"/>
+            </a:xfrm>
+            <a:custGeom>
+              <a:avLst/>
+              <a:gdLst/>
+              <a:ahLst/>
+              <a:cxnLst/>
+              <a:rect l="l" t="t" r="r" b="b"/>
+              <a:pathLst>
+                <a:path w="852099" h="707231">
+                  <a:moveTo>
+                    <a:pt x="0" y="0"/>
+                  </a:moveTo>
+                  <a:lnTo>
+                    <a:pt x="852099" y="0"/>
+                  </a:lnTo>
+                  <a:lnTo>
+                    <a:pt x="852099" y="707231"/>
+                  </a:lnTo>
+                  <a:lnTo>
+                    <a:pt x="0" y="707231"/>
+                  </a:lnTo>
+                  <a:lnTo>
+                    <a:pt x="0" y="0"/>
+                  </a:lnTo>
+                  <a:close/>
+                </a:path>
+              </a:pathLst>
+            </a:custGeom>
+            <a:blipFill>
+              <a:blip r:embed="rId4">
+                <a:extLst>
+                  <a:ext uri="{96DAC541-7B7A-43D3-8B79-37D633B846F1}">
+                    <asvg:svgBlip xmlns:asvg="http://schemas.microsoft.com/office/drawing/2016/SVG/main" r:embed="rId5"/>
+                  </a:ext>
+                </a:extLst>
+              </a:blip>
+              <a:stretch>
+                <a:fillRect/>
+              </a:stretch>
+            </a:blipFill>
+          </p:spPr>
+          <p:txBody>
+            <a:bodyPr/>
+            <a:lstStyle/>
+            <a:p>
+              <a:pPr defTabSz="609630">
+                <a:defRPr/>
+              </a:pPr>
+              <a:endParaRPr lang="zh-CN" altLang="en-US" sz="1200">
+                <a:solidFill>
+                  <a:prstClr val="black"/>
+                </a:solidFill>
+                <a:latin typeface="Calibri"/>
+                <a:ea typeface="宋体" panose="02010600030101010101" pitchFamily="2" charset="-122"/>
+              </a:endParaRPr>
+            </a:p>
+          </p:txBody>
+        </p:sp>
+        <p:sp>
+          <p:nvSpPr>
+            <p:cNvPr id="11" name="Freeform 11"/>
+            <p:cNvSpPr/>
+            <p:nvPr/>
+          </p:nvSpPr>
+          <p:spPr>
+            <a:xfrm>
+              <a:off x="545572" y="437009"/>
+              <a:ext cx="466046" cy="618252"/>
+            </a:xfrm>
+            <a:custGeom>
+              <a:avLst/>
+              <a:gdLst/>
+              <a:ahLst/>
+              <a:cxnLst/>
+              <a:rect l="l" t="t" r="r" b="b"/>
+              <a:pathLst>
+                <a:path w="466046" h="618252">
+                  <a:moveTo>
+                    <a:pt x="0" y="0"/>
+                  </a:moveTo>
+                  <a:lnTo>
+                    <a:pt x="466047" y="0"/>
+                  </a:lnTo>
+                  <a:lnTo>
+                    <a:pt x="466047" y="618252"/>
+                  </a:lnTo>
+                  <a:lnTo>
+                    <a:pt x="0" y="618252"/>
+                  </a:lnTo>
+                  <a:lnTo>
+                    <a:pt x="0" y="0"/>
+                  </a:lnTo>
+                  <a:close/>
+                </a:path>
+              </a:pathLst>
+            </a:custGeom>
+            <a:blipFill>
+              <a:blip r:embed="rId6">
+                <a:extLst>
+                  <a:ext uri="{96DAC541-7B7A-43D3-8B79-37D633B846F1}">
+                    <asvg:svgBlip xmlns:asvg="http://schemas.microsoft.com/office/drawing/2016/SVG/main" r:embed="rId7"/>
+                  </a:ext>
+                </a:extLst>
+              </a:blip>
+              <a:stretch>
+                <a:fillRect/>
+              </a:stretch>
+            </a:blipFill>
+          </p:spPr>
+          <p:txBody>
+            <a:bodyPr/>
+            <a:lstStyle/>
+            <a:p>
+              <a:pPr defTabSz="609630">
+                <a:defRPr/>
+              </a:pPr>
+              <a:endParaRPr lang="zh-CN" altLang="en-US" sz="1200">
+                <a:solidFill>
+                  <a:prstClr val="black"/>
+                </a:solidFill>
+                <a:latin typeface="Calibri"/>
+                <a:ea typeface="宋体" panose="02010600030101010101" pitchFamily="2" charset="-122"/>
+              </a:endParaRPr>
+            </a:p>
+          </p:txBody>
+        </p:sp>
+      </p:grpSp>
+      <p:sp>
+        <p:nvSpPr>
+          <p:cNvPr id="12" name="AutoShape 12"/>
+          <p:cNvSpPr/>
+          <p:nvPr/>
+        </p:nvSpPr>
+        <p:spPr>
+          <a:xfrm>
+            <a:off x="0" y="1600419"/>
+            <a:ext cx="2224252" cy="0"/>
+          </a:xfrm>
+          <a:prstGeom prst="line">
+            <a:avLst/>
+          </a:prstGeom>
+          <a:ln w="19050" cap="flat">
+            <a:solidFill>
+              <a:srgbClr val="EEF2F5"/>
+            </a:solidFill>
+            <a:prstDash val="solid"/>
+            <a:headEnd type="none" w="sm" len="sm"/>
+            <a:tailEnd type="none" w="sm" len="sm"/>
+          </a:ln>
+        </p:spPr>
+        <p:txBody>
+          <a:bodyPr/>
+          <a:lstStyle/>
+          <a:p>
+            <a:pPr defTabSz="609630">
+              <a:defRPr/>
+            </a:pPr>
+            <a:endParaRPr lang="zh-CN" altLang="en-US" sz="1200">
+              <a:solidFill>
+                <a:prstClr val="black"/>
+              </a:solidFill>
+              <a:latin typeface="Calibri"/>
+              <a:ea typeface="宋体" panose="02010600030101010101" pitchFamily="2" charset="-122"/>
+            </a:endParaRPr>
+          </a:p>
+        </p:txBody>
+      </p:sp>
+      <p:sp>
+        <p:nvSpPr>
+          <p:cNvPr id="13" name="AutoShape 13"/>
+          <p:cNvSpPr/>
+          <p:nvPr/>
+        </p:nvSpPr>
+        <p:spPr>
+          <a:xfrm>
+            <a:off x="-19241" y="2587904"/>
+            <a:ext cx="2224252" cy="0"/>
+          </a:xfrm>
+          <a:prstGeom prst="line">
+            <a:avLst/>
+          </a:prstGeom>
+          <a:ln w="19050" cap="flat">
+            <a:solidFill>
+              <a:srgbClr val="EEF2F5"/>
+            </a:solidFill>
+            <a:prstDash val="solid"/>
+            <a:headEnd type="none" w="sm" len="sm"/>
+            <a:tailEnd type="none" w="sm" len="sm"/>
+          </a:ln>
+        </p:spPr>
+        <p:txBody>
+          <a:bodyPr/>
+          <a:lstStyle/>
+          <a:p>
+            <a:pPr defTabSz="609630">
+              <a:defRPr/>
+            </a:pPr>
+            <a:endParaRPr lang="zh-CN" altLang="en-US" sz="1200">
+              <a:solidFill>
+                <a:prstClr val="black"/>
+              </a:solidFill>
+              <a:latin typeface="Calibri"/>
+              <a:ea typeface="宋体" panose="02010600030101010101" pitchFamily="2" charset="-122"/>
+            </a:endParaRPr>
+          </a:p>
+        </p:txBody>
+      </p:sp>
+      <p:sp>
+        <p:nvSpPr>
+          <p:cNvPr id="14" name="AutoShape 14"/>
+          <p:cNvSpPr/>
+          <p:nvPr/>
+        </p:nvSpPr>
+        <p:spPr>
+          <a:xfrm>
+            <a:off x="-6350" y="3534688"/>
+            <a:ext cx="2224252" cy="0"/>
+          </a:xfrm>
+          <a:prstGeom prst="line">
+            <a:avLst/>
+          </a:prstGeom>
+          <a:ln w="19050" cap="flat">
+            <a:solidFill>
+              <a:srgbClr val="EEF2F5"/>
+            </a:solidFill>
+            <a:prstDash val="solid"/>
+            <a:headEnd type="none" w="sm" len="sm"/>
+            <a:tailEnd type="none" w="sm" len="sm"/>
+          </a:ln>
+        </p:spPr>
+        <p:txBody>
+          <a:bodyPr/>
+          <a:lstStyle/>
+          <a:p>
+            <a:pPr defTabSz="609630">
+              <a:defRPr/>
+            </a:pPr>
+            <a:endParaRPr lang="zh-CN" altLang="en-US" sz="1200">
+              <a:solidFill>
+                <a:prstClr val="black"/>
+              </a:solidFill>
+              <a:latin typeface="Calibri"/>
+              <a:ea typeface="宋体" panose="02010600030101010101" pitchFamily="2" charset="-122"/>
+            </a:endParaRPr>
+          </a:p>
+        </p:txBody>
+      </p:sp>
+      <p:grpSp>
+        <p:nvGrpSpPr>
+          <p:cNvPr id="15" name="Group 15"/>
+          <p:cNvGrpSpPr/>
+          <p:nvPr/>
+        </p:nvGrpSpPr>
+        <p:grpSpPr>
+          <a:xfrm>
+            <a:off x="1" y="5813194"/>
+            <a:ext cx="2532529" cy="1061631"/>
+            <a:chOff x="1" y="-1"/>
+            <a:chExt cx="5065058" cy="2123263"/>
+          </a:xfrm>
+        </p:grpSpPr>
+        <p:grpSp>
+          <p:nvGrpSpPr>
+            <p:cNvPr id="16" name="Group 16"/>
+            <p:cNvGrpSpPr/>
+            <p:nvPr/>
+          </p:nvGrpSpPr>
+          <p:grpSpPr>
+            <a:xfrm rot="-5400000">
+              <a:off x="1470898" y="-1470898"/>
+              <a:ext cx="2123263" cy="5065058"/>
+              <a:chOff x="0" y="0"/>
+              <a:chExt cx="419410" cy="1000505"/>
+            </a:xfrm>
+          </p:grpSpPr>
+          <p:sp>
+            <p:nvSpPr>
+              <p:cNvPr id="17" name="Freeform 17"/>
+              <p:cNvSpPr/>
+              <p:nvPr/>
+            </p:nvSpPr>
+            <p:spPr>
+              <a:xfrm>
+                <a:off x="0" y="0"/>
+                <a:ext cx="419410" cy="1000505"/>
+              </a:xfrm>
+              <a:custGeom>
+                <a:avLst/>
+                <a:gdLst/>
+                <a:ahLst/>
+                <a:cxnLst/>
+                <a:rect l="l" t="t" r="r" b="b"/>
+                <a:pathLst>
+                  <a:path w="419410" h="1000505">
+                    <a:moveTo>
+                      <a:pt x="419410" y="0"/>
+                    </a:moveTo>
+                    <a:lnTo>
+                      <a:pt x="419410" y="886205"/>
+                    </a:lnTo>
+                    <a:lnTo>
+                      <a:pt x="209705" y="1000505"/>
+                    </a:lnTo>
+                    <a:lnTo>
+                      <a:pt x="0" y="886205"/>
+                    </a:lnTo>
+                    <a:lnTo>
+                      <a:pt x="0" y="0"/>
+                    </a:lnTo>
+                    <a:lnTo>
+                      <a:pt x="419410" y="0"/>
+                    </a:lnTo>
+                    <a:close/>
+                  </a:path>
+                </a:pathLst>
+              </a:custGeom>
+              <a:solidFill>
+                <a:srgbClr val="FFFFFF"/>
+              </a:solidFill>
+            </p:spPr>
+            <p:txBody>
+              <a:bodyPr/>
+              <a:lstStyle/>
+              <a:p>
+                <a:pPr defTabSz="609630">
+                  <a:defRPr/>
+                </a:pPr>
+                <a:endParaRPr lang="zh-CN" altLang="en-US" sz="1200">
+                  <a:solidFill>
+                    <a:prstClr val="black"/>
+                  </a:solidFill>
+                  <a:latin typeface="Calibri"/>
+                  <a:ea typeface="宋体" panose="02010600030101010101" pitchFamily="2" charset="-122"/>
+                </a:endParaRPr>
+              </a:p>
+            </p:txBody>
+          </p:sp>
+          <p:sp>
+            <p:nvSpPr>
+              <p:cNvPr id="18" name="TextBox 18"/>
+              <p:cNvSpPr txBox="1"/>
+              <p:nvPr/>
+            </p:nvSpPr>
+            <p:spPr>
+              <a:xfrm>
+                <a:off x="0" y="-47625"/>
+                <a:ext cx="635000" cy="746125"/>
+              </a:xfrm>
+              <a:prstGeom prst="rect">
+                <a:avLst/>
+              </a:prstGeom>
+            </p:spPr>
+            <p:txBody>
+              <a:bodyPr lIns="33867" tIns="33867" rIns="33867" bIns="33867" rtlCol="0" anchor="ctr"/>
+              <a:lstStyle/>
+              <a:p>
+                <a:pPr algn="ctr" defTabSz="609630">
+                  <a:lnSpc>
+                    <a:spcPts val="1773"/>
+                  </a:lnSpc>
+                  <a:defRPr/>
+                </a:pPr>
+                <a:endParaRPr sz="1200">
+                  <a:solidFill>
+                    <a:prstClr val="black"/>
+                  </a:solidFill>
+                  <a:latin typeface="Calibri"/>
+                </a:endParaRPr>
+              </a:p>
+            </p:txBody>
+          </p:sp>
+        </p:grpSp>
+        <p:sp>
+          <p:nvSpPr>
+            <p:cNvPr id="19" name="TextBox 19"/>
             <p:cNvSpPr txBox="1"/>
             <p:nvPr/>
           </p:nvSpPr>
           <p:spPr>
             <a:xfrm>
-              <a:off x="996338" y="118642"/>
-              <a:ext cx="7383449" cy="530147"/>
+              <a:off x="204073" y="710811"/>
+              <a:ext cx="4040360" cy="660694"/>
             </a:xfrm>
             <a:prstGeom prst="rect">
               <a:avLst/>
@@ -12654,28 +13033,1345 @@
             </a:bodyPr>
             <a:lstStyle/>
             <a:p>
-              <a:pPr>
+              <a:pPr algn="ctr" defTabSz="609630">
                 <a:lnSpc>
-                  <a:spcPts val="2239"/>
+                  <a:spcPts val="2731"/>
                 </a:lnSpc>
-                <a:spcBef>
-                  <a:spcPct val="0"/>
-                </a:spcBef>
+                <a:defRPr/>
               </a:pPr>
               <a:r>
-                <a:rPr lang="en-US" sz="1599" spc="239">
+                <a:rPr lang="en-US" sz="2133" b="1" spc="333" dirty="0" err="1">
                   <a:solidFill>
                     <a:srgbClr val="304370"/>
                   </a:solidFill>
+                  <a:latin typeface="Calibri"/>
                   <a:ea typeface="思源黑体 Medium"/>
                 </a:rPr>
-                <a:t>汪金武 张鑫豪 许森坤 邹耀瑶</a:t>
+                <a:t>成果展示</a:t>
               </a:r>
+              <a:endParaRPr lang="en-US" sz="2133" b="1" spc="333" dirty="0">
+                <a:solidFill>
+                  <a:srgbClr val="304370"/>
+                </a:solidFill>
+                <a:latin typeface="Calibri"/>
+                <a:ea typeface="思源黑体 Medium"/>
+              </a:endParaRPr>
             </a:p>
           </p:txBody>
         </p:sp>
       </p:grpSp>
+      <p:sp>
+        <p:nvSpPr>
+          <p:cNvPr id="20" name="TextBox 20"/>
+          <p:cNvSpPr txBox="1"/>
+          <p:nvPr/>
+        </p:nvSpPr>
+        <p:spPr>
+          <a:xfrm>
+            <a:off x="379746" y="1916328"/>
+            <a:ext cx="1390705" cy="257186"/>
+          </a:xfrm>
+          <a:prstGeom prst="rect">
+            <a:avLst/>
+          </a:prstGeom>
+        </p:spPr>
+        <p:txBody>
+          <a:bodyPr lIns="0" tIns="0" rIns="0" bIns="0" rtlCol="0" anchor="t">
+            <a:spAutoFit/>
+          </a:bodyPr>
+          <a:lstStyle/>
+          <a:p>
+            <a:pPr algn="ctr" defTabSz="609630">
+              <a:lnSpc>
+                <a:spcPts val="2133"/>
+              </a:lnSpc>
+              <a:defRPr/>
+            </a:pPr>
+            <a:r>
+              <a:rPr lang="en-US" sz="1666" spc="333">
+                <a:solidFill>
+                  <a:srgbClr val="EEF2F5"/>
+                </a:solidFill>
+                <a:latin typeface="Calibri"/>
+                <a:ea typeface="思源黑体 Medium"/>
+              </a:rPr>
+              <a:t>项目简介</a:t>
+            </a:r>
+          </a:p>
+        </p:txBody>
+      </p:sp>
+      <p:sp>
+        <p:nvSpPr>
+          <p:cNvPr id="21" name="TextBox 21"/>
+          <p:cNvSpPr txBox="1"/>
+          <p:nvPr/>
+        </p:nvSpPr>
+        <p:spPr>
+          <a:xfrm>
+            <a:off x="262081" y="2855402"/>
+            <a:ext cx="1558288" cy="257186"/>
+          </a:xfrm>
+          <a:prstGeom prst="rect">
+            <a:avLst/>
+          </a:prstGeom>
+        </p:spPr>
+        <p:txBody>
+          <a:bodyPr lIns="0" tIns="0" rIns="0" bIns="0" rtlCol="0" anchor="t">
+            <a:spAutoFit/>
+          </a:bodyPr>
+          <a:lstStyle/>
+          <a:p>
+            <a:pPr algn="ctr" defTabSz="609630">
+              <a:lnSpc>
+                <a:spcPts val="2133"/>
+              </a:lnSpc>
+              <a:defRPr/>
+            </a:pPr>
+            <a:r>
+              <a:rPr lang="en-US" sz="1666" spc="333">
+                <a:solidFill>
+                  <a:srgbClr val="EEF2F5"/>
+                </a:solidFill>
+                <a:latin typeface="Calibri"/>
+                <a:ea typeface="思源黑体 Medium"/>
+              </a:rPr>
+              <a:t>任务分工</a:t>
+            </a:r>
+          </a:p>
+        </p:txBody>
+      </p:sp>
+      <p:sp>
+        <p:nvSpPr>
+          <p:cNvPr id="22" name="TextBox 22"/>
+          <p:cNvSpPr txBox="1"/>
+          <p:nvPr/>
+        </p:nvSpPr>
+        <p:spPr>
+          <a:xfrm>
+            <a:off x="262081" y="3930378"/>
+            <a:ext cx="1558288" cy="257186"/>
+          </a:xfrm>
+          <a:prstGeom prst="rect">
+            <a:avLst/>
+          </a:prstGeom>
+        </p:spPr>
+        <p:txBody>
+          <a:bodyPr lIns="0" tIns="0" rIns="0" bIns="0" rtlCol="0" anchor="t">
+            <a:spAutoFit/>
+          </a:bodyPr>
+          <a:lstStyle/>
+          <a:p>
+            <a:pPr algn="ctr" defTabSz="609630">
+              <a:lnSpc>
+                <a:spcPts val="2133"/>
+              </a:lnSpc>
+              <a:defRPr/>
+            </a:pPr>
+            <a:r>
+              <a:rPr lang="en-US" sz="1666" spc="333">
+                <a:solidFill>
+                  <a:srgbClr val="EEF2F5"/>
+                </a:solidFill>
+                <a:latin typeface="Calibri"/>
+                <a:ea typeface="思源黑体 Medium"/>
+              </a:rPr>
+              <a:t>项目总体规划</a:t>
+            </a:r>
+          </a:p>
+        </p:txBody>
+      </p:sp>
+      <p:sp>
+        <p:nvSpPr>
+          <p:cNvPr id="23" name="TextBox 23"/>
+          <p:cNvSpPr txBox="1"/>
+          <p:nvPr/>
+        </p:nvSpPr>
+        <p:spPr>
+          <a:xfrm>
+            <a:off x="262082" y="5113583"/>
+            <a:ext cx="1545397" cy="257186"/>
+          </a:xfrm>
+          <a:prstGeom prst="rect">
+            <a:avLst/>
+          </a:prstGeom>
+        </p:spPr>
+        <p:txBody>
+          <a:bodyPr lIns="0" tIns="0" rIns="0" bIns="0" rtlCol="0" anchor="t">
+            <a:spAutoFit/>
+          </a:bodyPr>
+          <a:lstStyle/>
+          <a:p>
+            <a:pPr algn="ctr" defTabSz="609630">
+              <a:lnSpc>
+                <a:spcPts val="2133"/>
+              </a:lnSpc>
+              <a:defRPr/>
+            </a:pPr>
+            <a:r>
+              <a:rPr lang="en-US" sz="1666" spc="333">
+                <a:solidFill>
+                  <a:srgbClr val="EEF2F5"/>
+                </a:solidFill>
+                <a:latin typeface="Calibri"/>
+                <a:ea typeface="思源黑体 Medium"/>
+              </a:rPr>
+              <a:t>基线需求分析</a:t>
+            </a:r>
+          </a:p>
+        </p:txBody>
+      </p:sp>
+      <p:sp>
+        <p:nvSpPr>
+          <p:cNvPr id="24" name="AutoShape 24"/>
+          <p:cNvSpPr/>
+          <p:nvPr/>
+        </p:nvSpPr>
+        <p:spPr>
+          <a:xfrm>
+            <a:off x="-19241" y="4643929"/>
+            <a:ext cx="2224252" cy="0"/>
+          </a:xfrm>
+          <a:prstGeom prst="line">
+            <a:avLst/>
+          </a:prstGeom>
+          <a:ln w="19050" cap="flat">
+            <a:solidFill>
+              <a:srgbClr val="EEF2F5"/>
+            </a:solidFill>
+            <a:prstDash val="solid"/>
+            <a:headEnd type="none" w="sm" len="sm"/>
+            <a:tailEnd type="none" w="sm" len="sm"/>
+          </a:ln>
+        </p:spPr>
+        <p:txBody>
+          <a:bodyPr/>
+          <a:lstStyle/>
+          <a:p>
+            <a:pPr defTabSz="609630">
+              <a:defRPr/>
+            </a:pPr>
+            <a:endParaRPr lang="zh-CN" altLang="en-US" sz="1200">
+              <a:solidFill>
+                <a:prstClr val="black"/>
+              </a:solidFill>
+              <a:latin typeface="Calibri"/>
+              <a:ea typeface="宋体" panose="02010600030101010101" pitchFamily="2" charset="-122"/>
+            </a:endParaRPr>
+          </a:p>
+        </p:txBody>
+      </p:sp>
+      <p:pic>
+        <p:nvPicPr>
+          <p:cNvPr id="26" name="图片 25">
+            <a:extLst>
+              <a:ext uri="{FF2B5EF4-FFF2-40B4-BE49-F238E27FC236}">
+                <a16:creationId xmlns:a16="http://schemas.microsoft.com/office/drawing/2014/main" id="{885B926E-D4BC-B47E-585B-5BA47902B5B2}"/>
+              </a:ext>
+            </a:extLst>
+          </p:cNvPr>
+          <p:cNvPicPr>
+            <a:picLocks noChangeAspect="1"/>
+          </p:cNvPicPr>
+          <p:nvPr/>
+        </p:nvPicPr>
+        <p:blipFill>
+          <a:blip r:embed="rId8">
+            <a:extLst>
+              <a:ext uri="{28A0092B-C50C-407E-A947-70E740481C1C}">
+                <a14:useLocalDpi xmlns:a14="http://schemas.microsoft.com/office/drawing/2010/main" val="0"/>
+              </a:ext>
+            </a:extLst>
+          </a:blip>
+          <a:stretch>
+            <a:fillRect/>
+          </a:stretch>
+        </p:blipFill>
+        <p:spPr>
+          <a:xfrm>
+            <a:off x="4941836" y="700803"/>
+            <a:ext cx="4808637" cy="5456393"/>
+          </a:xfrm>
+          <a:prstGeom prst="rect">
+            <a:avLst/>
+          </a:prstGeom>
+        </p:spPr>
+      </p:pic>
     </p:spTree>
+    <p:extLst>
+      <p:ext uri="{BB962C8B-B14F-4D97-AF65-F5344CB8AC3E}">
+        <p14:creationId xmlns:p14="http://schemas.microsoft.com/office/powerpoint/2010/main" val="3593214602"/>
+      </p:ext>
+    </p:extLst>
+  </p:cSld>
+  <p:clrMapOvr>
+    <a:masterClrMapping/>
+  </p:clrMapOvr>
+  <p:transition>
+    <p:fade/>
+  </p:transition>
+</p:sld>
+</file>
+
+<file path=ppt/slides/slide19.xml><?xml version="1.0" encoding="utf-8"?>
+<p:sld xmlns:a="http://schemas.openxmlformats.org/drawingml/2006/main" xmlns:r="http://schemas.openxmlformats.org/officeDocument/2006/relationships" xmlns:p="http://schemas.openxmlformats.org/presentationml/2006/main">
+  <p:cSld>
+    <p:spTree>
+      <p:nvGrpSpPr>
+        <p:cNvPr id="1" name=""/>
+        <p:cNvGrpSpPr/>
+        <p:nvPr/>
+      </p:nvGrpSpPr>
+      <p:grpSpPr>
+        <a:xfrm>
+          <a:off x="0" y="0"/>
+          <a:ext cx="0" cy="0"/>
+          <a:chOff x="0" y="0"/>
+          <a:chExt cx="0" cy="0"/>
+        </a:xfrm>
+      </p:grpSpPr>
+      <p:grpSp>
+        <p:nvGrpSpPr>
+          <p:cNvPr id="2" name="Group 2"/>
+          <p:cNvGrpSpPr/>
+          <p:nvPr/>
+        </p:nvGrpSpPr>
+        <p:grpSpPr>
+          <a:xfrm>
+            <a:off x="0" y="0"/>
+            <a:ext cx="2217902" cy="6874826"/>
+            <a:chOff x="0" y="0"/>
+            <a:chExt cx="876208" cy="2709333"/>
+          </a:xfrm>
+        </p:grpSpPr>
+        <p:sp>
+          <p:nvSpPr>
+            <p:cNvPr id="3" name="Freeform 3"/>
+            <p:cNvSpPr/>
+            <p:nvPr/>
+          </p:nvSpPr>
+          <p:spPr>
+            <a:xfrm>
+              <a:off x="0" y="0"/>
+              <a:ext cx="876208" cy="2709333"/>
+            </a:xfrm>
+            <a:custGeom>
+              <a:avLst/>
+              <a:gdLst/>
+              <a:ahLst/>
+              <a:cxnLst/>
+              <a:rect l="l" t="t" r="r" b="b"/>
+              <a:pathLst>
+                <a:path w="876208" h="2709333">
+                  <a:moveTo>
+                    <a:pt x="0" y="0"/>
+                  </a:moveTo>
+                  <a:lnTo>
+                    <a:pt x="876208" y="0"/>
+                  </a:lnTo>
+                  <a:lnTo>
+                    <a:pt x="876208" y="2709333"/>
+                  </a:lnTo>
+                  <a:lnTo>
+                    <a:pt x="0" y="2709333"/>
+                  </a:lnTo>
+                  <a:close/>
+                </a:path>
+              </a:pathLst>
+            </a:custGeom>
+            <a:solidFill>
+              <a:srgbClr val="304370"/>
+            </a:solidFill>
+          </p:spPr>
+          <p:txBody>
+            <a:bodyPr/>
+            <a:lstStyle/>
+            <a:p>
+              <a:pPr defTabSz="609630">
+                <a:defRPr/>
+              </a:pPr>
+              <a:endParaRPr lang="zh-CN" altLang="en-US" sz="1200">
+                <a:solidFill>
+                  <a:prstClr val="black"/>
+                </a:solidFill>
+                <a:latin typeface="Calibri"/>
+                <a:ea typeface="宋体" panose="02010600030101010101" pitchFamily="2" charset="-122"/>
+              </a:endParaRPr>
+            </a:p>
+          </p:txBody>
+        </p:sp>
+        <p:sp>
+          <p:nvSpPr>
+            <p:cNvPr id="4" name="TextBox 4"/>
+            <p:cNvSpPr txBox="1"/>
+            <p:nvPr/>
+          </p:nvSpPr>
+          <p:spPr>
+            <a:xfrm>
+              <a:off x="0" y="-47625"/>
+              <a:ext cx="812800" cy="860425"/>
+            </a:xfrm>
+            <a:prstGeom prst="rect">
+              <a:avLst/>
+            </a:prstGeom>
+          </p:spPr>
+          <p:txBody>
+            <a:bodyPr lIns="33867" tIns="33867" rIns="33867" bIns="33867" rtlCol="0" anchor="ctr"/>
+            <a:lstStyle/>
+            <a:p>
+              <a:pPr algn="ctr" defTabSz="609630">
+                <a:lnSpc>
+                  <a:spcPts val="1773"/>
+                </a:lnSpc>
+                <a:defRPr/>
+              </a:pPr>
+              <a:endParaRPr sz="1200">
+                <a:solidFill>
+                  <a:prstClr val="black"/>
+                </a:solidFill>
+                <a:latin typeface="Calibri"/>
+              </a:endParaRPr>
+            </a:p>
+          </p:txBody>
+        </p:sp>
+      </p:grpSp>
+      <p:grpSp>
+        <p:nvGrpSpPr>
+          <p:cNvPr id="5" name="Group 5"/>
+          <p:cNvGrpSpPr/>
+          <p:nvPr/>
+        </p:nvGrpSpPr>
+        <p:grpSpPr>
+          <a:xfrm>
+            <a:off x="685801" y="503113"/>
+            <a:ext cx="778595" cy="778595"/>
+            <a:chOff x="0" y="0"/>
+            <a:chExt cx="1557191" cy="1557191"/>
+          </a:xfrm>
+        </p:grpSpPr>
+        <p:grpSp>
+          <p:nvGrpSpPr>
+            <p:cNvPr id="6" name="Group 6"/>
+            <p:cNvGrpSpPr>
+              <a:grpSpLocks noChangeAspect="1"/>
+            </p:cNvGrpSpPr>
+            <p:nvPr/>
+          </p:nvGrpSpPr>
+          <p:grpSpPr>
+            <a:xfrm>
+              <a:off x="0" y="0"/>
+              <a:ext cx="1557191" cy="1557191"/>
+              <a:chOff x="-2540" y="-2540"/>
+              <a:chExt cx="6355080" cy="6355080"/>
+            </a:xfrm>
+          </p:grpSpPr>
+          <p:sp>
+            <p:nvSpPr>
+              <p:cNvPr id="7" name="Freeform 7"/>
+              <p:cNvSpPr/>
+              <p:nvPr/>
+            </p:nvSpPr>
+            <p:spPr>
+              <a:xfrm>
+                <a:off x="-2540" y="-2540"/>
+                <a:ext cx="6355080" cy="6355080"/>
+              </a:xfrm>
+              <a:custGeom>
+                <a:avLst/>
+                <a:gdLst/>
+                <a:ahLst/>
+                <a:cxnLst/>
+                <a:rect l="l" t="t" r="r" b="b"/>
+                <a:pathLst>
+                  <a:path w="6355080" h="6355080">
+                    <a:moveTo>
+                      <a:pt x="3177540" y="6355080"/>
+                    </a:moveTo>
+                    <a:cubicBezTo>
+                      <a:pt x="2329180" y="6355080"/>
+                      <a:pt x="1530350" y="6024880"/>
+                      <a:pt x="930910" y="5424170"/>
+                    </a:cubicBezTo>
+                    <a:cubicBezTo>
+                      <a:pt x="330200" y="4824730"/>
+                      <a:pt x="0" y="4025900"/>
+                      <a:pt x="0" y="3177540"/>
+                    </a:cubicBezTo>
+                    <a:cubicBezTo>
+                      <a:pt x="0" y="2329180"/>
+                      <a:pt x="330200" y="1530350"/>
+                      <a:pt x="930910" y="930910"/>
+                    </a:cubicBezTo>
+                    <a:cubicBezTo>
+                      <a:pt x="1530350" y="330200"/>
+                      <a:pt x="2329180" y="0"/>
+                      <a:pt x="3177540" y="0"/>
+                    </a:cubicBezTo>
+                    <a:cubicBezTo>
+                      <a:pt x="4025900" y="0"/>
+                      <a:pt x="4824730" y="330200"/>
+                      <a:pt x="5424170" y="930910"/>
+                    </a:cubicBezTo>
+                    <a:cubicBezTo>
+                      <a:pt x="6024880" y="1531620"/>
+                      <a:pt x="6355080" y="2329180"/>
+                      <a:pt x="6355080" y="3177540"/>
+                    </a:cubicBezTo>
+                    <a:cubicBezTo>
+                      <a:pt x="6355080" y="4025900"/>
+                      <a:pt x="6024880" y="4824730"/>
+                      <a:pt x="5424170" y="5424170"/>
+                    </a:cubicBezTo>
+                    <a:cubicBezTo>
+                      <a:pt x="4824730" y="6024880"/>
+                      <a:pt x="4025900" y="6355080"/>
+                      <a:pt x="3177540" y="6355080"/>
+                    </a:cubicBezTo>
+                    <a:close/>
+                    <a:moveTo>
+                      <a:pt x="3177540" y="190500"/>
+                    </a:moveTo>
+                    <a:cubicBezTo>
+                      <a:pt x="2379980" y="190500"/>
+                      <a:pt x="1629410" y="501650"/>
+                      <a:pt x="1065530" y="1065530"/>
+                    </a:cubicBezTo>
+                    <a:cubicBezTo>
+                      <a:pt x="501650" y="1629410"/>
+                      <a:pt x="190500" y="2379980"/>
+                      <a:pt x="190500" y="3177540"/>
+                    </a:cubicBezTo>
+                    <a:cubicBezTo>
+                      <a:pt x="190500" y="3975100"/>
+                      <a:pt x="501650" y="4725670"/>
+                      <a:pt x="1065530" y="5289550"/>
+                    </a:cubicBezTo>
+                    <a:cubicBezTo>
+                      <a:pt x="1629410" y="5853430"/>
+                      <a:pt x="2379980" y="6164580"/>
+                      <a:pt x="3177540" y="6164580"/>
+                    </a:cubicBezTo>
+                    <a:cubicBezTo>
+                      <a:pt x="3975100" y="6164580"/>
+                      <a:pt x="4725670" y="5853430"/>
+                      <a:pt x="5289550" y="5289550"/>
+                    </a:cubicBezTo>
+                    <a:cubicBezTo>
+                      <a:pt x="5853430" y="4725670"/>
+                      <a:pt x="6164580" y="3975100"/>
+                      <a:pt x="6164580" y="3177540"/>
+                    </a:cubicBezTo>
+                    <a:cubicBezTo>
+                      <a:pt x="6164580" y="2379980"/>
+                      <a:pt x="5853430" y="1629410"/>
+                      <a:pt x="5289550" y="1065530"/>
+                    </a:cubicBezTo>
+                    <a:cubicBezTo>
+                      <a:pt x="4725670" y="501650"/>
+                      <a:pt x="3975100" y="190500"/>
+                      <a:pt x="3177540" y="190500"/>
+                    </a:cubicBezTo>
+                    <a:close/>
+                  </a:path>
+                </a:pathLst>
+              </a:custGeom>
+              <a:solidFill>
+                <a:srgbClr val="FFFFFF"/>
+              </a:solidFill>
+            </p:spPr>
+            <p:txBody>
+              <a:bodyPr/>
+              <a:lstStyle/>
+              <a:p>
+                <a:pPr defTabSz="609630">
+                  <a:defRPr/>
+                </a:pPr>
+                <a:endParaRPr lang="zh-CN" altLang="en-US" sz="1200">
+                  <a:solidFill>
+                    <a:prstClr val="black"/>
+                  </a:solidFill>
+                  <a:latin typeface="Calibri"/>
+                  <a:ea typeface="宋体" panose="02010600030101010101" pitchFamily="2" charset="-122"/>
+                </a:endParaRPr>
+              </a:p>
+            </p:txBody>
+          </p:sp>
+        </p:grpSp>
+        <p:sp>
+          <p:nvSpPr>
+            <p:cNvPr id="8" name="Freeform 8"/>
+            <p:cNvSpPr/>
+            <p:nvPr/>
+          </p:nvSpPr>
+          <p:spPr>
+            <a:xfrm>
+              <a:off x="54639" y="54639"/>
+              <a:ext cx="1447913" cy="1447913"/>
+            </a:xfrm>
+            <a:custGeom>
+              <a:avLst/>
+              <a:gdLst/>
+              <a:ahLst/>
+              <a:cxnLst/>
+              <a:rect l="l" t="t" r="r" b="b"/>
+              <a:pathLst>
+                <a:path w="1447913" h="1447913">
+                  <a:moveTo>
+                    <a:pt x="0" y="0"/>
+                  </a:moveTo>
+                  <a:lnTo>
+                    <a:pt x="1447913" y="0"/>
+                  </a:lnTo>
+                  <a:lnTo>
+                    <a:pt x="1447913" y="1447913"/>
+                  </a:lnTo>
+                  <a:lnTo>
+                    <a:pt x="0" y="1447913"/>
+                  </a:lnTo>
+                  <a:lnTo>
+                    <a:pt x="0" y="0"/>
+                  </a:lnTo>
+                  <a:close/>
+                </a:path>
+              </a:pathLst>
+            </a:custGeom>
+            <a:blipFill>
+              <a:blip r:embed="rId2">
+                <a:extLst>
+                  <a:ext uri="{96DAC541-7B7A-43D3-8B79-37D633B846F1}">
+                    <asvg:svgBlip xmlns:asvg="http://schemas.microsoft.com/office/drawing/2016/SVG/main" r:embed="rId3"/>
+                  </a:ext>
+                </a:extLst>
+              </a:blip>
+              <a:stretch>
+                <a:fillRect/>
+              </a:stretch>
+            </a:blipFill>
+          </p:spPr>
+          <p:txBody>
+            <a:bodyPr/>
+            <a:lstStyle/>
+            <a:p>
+              <a:pPr defTabSz="609630">
+                <a:defRPr/>
+              </a:pPr>
+              <a:endParaRPr lang="zh-CN" altLang="en-US" sz="1200">
+                <a:solidFill>
+                  <a:prstClr val="black"/>
+                </a:solidFill>
+                <a:latin typeface="Calibri"/>
+                <a:ea typeface="宋体" panose="02010600030101010101" pitchFamily="2" charset="-122"/>
+              </a:endParaRPr>
+            </a:p>
+          </p:txBody>
+        </p:sp>
+        <p:sp>
+          <p:nvSpPr>
+            <p:cNvPr id="10" name="Freeform 10"/>
+            <p:cNvSpPr/>
+            <p:nvPr/>
+          </p:nvSpPr>
+          <p:spPr>
+            <a:xfrm>
+              <a:off x="352546" y="589542"/>
+              <a:ext cx="852099" cy="707231"/>
+            </a:xfrm>
+            <a:custGeom>
+              <a:avLst/>
+              <a:gdLst/>
+              <a:ahLst/>
+              <a:cxnLst/>
+              <a:rect l="l" t="t" r="r" b="b"/>
+              <a:pathLst>
+                <a:path w="852099" h="707231">
+                  <a:moveTo>
+                    <a:pt x="0" y="0"/>
+                  </a:moveTo>
+                  <a:lnTo>
+                    <a:pt x="852099" y="0"/>
+                  </a:lnTo>
+                  <a:lnTo>
+                    <a:pt x="852099" y="707231"/>
+                  </a:lnTo>
+                  <a:lnTo>
+                    <a:pt x="0" y="707231"/>
+                  </a:lnTo>
+                  <a:lnTo>
+                    <a:pt x="0" y="0"/>
+                  </a:lnTo>
+                  <a:close/>
+                </a:path>
+              </a:pathLst>
+            </a:custGeom>
+            <a:blipFill>
+              <a:blip r:embed="rId4">
+                <a:extLst>
+                  <a:ext uri="{96DAC541-7B7A-43D3-8B79-37D633B846F1}">
+                    <asvg:svgBlip xmlns:asvg="http://schemas.microsoft.com/office/drawing/2016/SVG/main" r:embed="rId5"/>
+                  </a:ext>
+                </a:extLst>
+              </a:blip>
+              <a:stretch>
+                <a:fillRect/>
+              </a:stretch>
+            </a:blipFill>
+          </p:spPr>
+          <p:txBody>
+            <a:bodyPr/>
+            <a:lstStyle/>
+            <a:p>
+              <a:pPr defTabSz="609630">
+                <a:defRPr/>
+              </a:pPr>
+              <a:endParaRPr lang="zh-CN" altLang="en-US" sz="1200">
+                <a:solidFill>
+                  <a:prstClr val="black"/>
+                </a:solidFill>
+                <a:latin typeface="Calibri"/>
+                <a:ea typeface="宋体" panose="02010600030101010101" pitchFamily="2" charset="-122"/>
+              </a:endParaRPr>
+            </a:p>
+          </p:txBody>
+        </p:sp>
+        <p:sp>
+          <p:nvSpPr>
+            <p:cNvPr id="11" name="Freeform 11"/>
+            <p:cNvSpPr/>
+            <p:nvPr/>
+          </p:nvSpPr>
+          <p:spPr>
+            <a:xfrm>
+              <a:off x="545572" y="437009"/>
+              <a:ext cx="466046" cy="618252"/>
+            </a:xfrm>
+            <a:custGeom>
+              <a:avLst/>
+              <a:gdLst/>
+              <a:ahLst/>
+              <a:cxnLst/>
+              <a:rect l="l" t="t" r="r" b="b"/>
+              <a:pathLst>
+                <a:path w="466046" h="618252">
+                  <a:moveTo>
+                    <a:pt x="0" y="0"/>
+                  </a:moveTo>
+                  <a:lnTo>
+                    <a:pt x="466047" y="0"/>
+                  </a:lnTo>
+                  <a:lnTo>
+                    <a:pt x="466047" y="618252"/>
+                  </a:lnTo>
+                  <a:lnTo>
+                    <a:pt x="0" y="618252"/>
+                  </a:lnTo>
+                  <a:lnTo>
+                    <a:pt x="0" y="0"/>
+                  </a:lnTo>
+                  <a:close/>
+                </a:path>
+              </a:pathLst>
+            </a:custGeom>
+            <a:blipFill>
+              <a:blip r:embed="rId6">
+                <a:extLst>
+                  <a:ext uri="{96DAC541-7B7A-43D3-8B79-37D633B846F1}">
+                    <asvg:svgBlip xmlns:asvg="http://schemas.microsoft.com/office/drawing/2016/SVG/main" r:embed="rId7"/>
+                  </a:ext>
+                </a:extLst>
+              </a:blip>
+              <a:stretch>
+                <a:fillRect/>
+              </a:stretch>
+            </a:blipFill>
+          </p:spPr>
+          <p:txBody>
+            <a:bodyPr/>
+            <a:lstStyle/>
+            <a:p>
+              <a:pPr defTabSz="609630">
+                <a:defRPr/>
+              </a:pPr>
+              <a:endParaRPr lang="zh-CN" altLang="en-US" sz="1200">
+                <a:solidFill>
+                  <a:prstClr val="black"/>
+                </a:solidFill>
+                <a:latin typeface="Calibri"/>
+                <a:ea typeface="宋体" panose="02010600030101010101" pitchFamily="2" charset="-122"/>
+              </a:endParaRPr>
+            </a:p>
+          </p:txBody>
+        </p:sp>
+      </p:grpSp>
+      <p:sp>
+        <p:nvSpPr>
+          <p:cNvPr id="12" name="AutoShape 12"/>
+          <p:cNvSpPr/>
+          <p:nvPr/>
+        </p:nvSpPr>
+        <p:spPr>
+          <a:xfrm>
+            <a:off x="0" y="1600419"/>
+            <a:ext cx="2224252" cy="0"/>
+          </a:xfrm>
+          <a:prstGeom prst="line">
+            <a:avLst/>
+          </a:prstGeom>
+          <a:ln w="19050" cap="flat">
+            <a:solidFill>
+              <a:srgbClr val="EEF2F5"/>
+            </a:solidFill>
+            <a:prstDash val="solid"/>
+            <a:headEnd type="none" w="sm" len="sm"/>
+            <a:tailEnd type="none" w="sm" len="sm"/>
+          </a:ln>
+        </p:spPr>
+        <p:txBody>
+          <a:bodyPr/>
+          <a:lstStyle/>
+          <a:p>
+            <a:pPr defTabSz="609630">
+              <a:defRPr/>
+            </a:pPr>
+            <a:endParaRPr lang="zh-CN" altLang="en-US" sz="1200">
+              <a:solidFill>
+                <a:prstClr val="black"/>
+              </a:solidFill>
+              <a:latin typeface="Calibri"/>
+              <a:ea typeface="宋体" panose="02010600030101010101" pitchFamily="2" charset="-122"/>
+            </a:endParaRPr>
+          </a:p>
+        </p:txBody>
+      </p:sp>
+      <p:sp>
+        <p:nvSpPr>
+          <p:cNvPr id="13" name="AutoShape 13"/>
+          <p:cNvSpPr/>
+          <p:nvPr/>
+        </p:nvSpPr>
+        <p:spPr>
+          <a:xfrm>
+            <a:off x="-19241" y="2587904"/>
+            <a:ext cx="2224252" cy="0"/>
+          </a:xfrm>
+          <a:prstGeom prst="line">
+            <a:avLst/>
+          </a:prstGeom>
+          <a:ln w="19050" cap="flat">
+            <a:solidFill>
+              <a:srgbClr val="EEF2F5"/>
+            </a:solidFill>
+            <a:prstDash val="solid"/>
+            <a:headEnd type="none" w="sm" len="sm"/>
+            <a:tailEnd type="none" w="sm" len="sm"/>
+          </a:ln>
+        </p:spPr>
+        <p:txBody>
+          <a:bodyPr/>
+          <a:lstStyle/>
+          <a:p>
+            <a:pPr defTabSz="609630">
+              <a:defRPr/>
+            </a:pPr>
+            <a:endParaRPr lang="zh-CN" altLang="en-US" sz="1200">
+              <a:solidFill>
+                <a:prstClr val="black"/>
+              </a:solidFill>
+              <a:latin typeface="Calibri"/>
+              <a:ea typeface="宋体" panose="02010600030101010101" pitchFamily="2" charset="-122"/>
+            </a:endParaRPr>
+          </a:p>
+        </p:txBody>
+      </p:sp>
+      <p:sp>
+        <p:nvSpPr>
+          <p:cNvPr id="14" name="AutoShape 14"/>
+          <p:cNvSpPr/>
+          <p:nvPr/>
+        </p:nvSpPr>
+        <p:spPr>
+          <a:xfrm>
+            <a:off x="-6350" y="3534688"/>
+            <a:ext cx="2224252" cy="0"/>
+          </a:xfrm>
+          <a:prstGeom prst="line">
+            <a:avLst/>
+          </a:prstGeom>
+          <a:ln w="19050" cap="flat">
+            <a:solidFill>
+              <a:srgbClr val="EEF2F5"/>
+            </a:solidFill>
+            <a:prstDash val="solid"/>
+            <a:headEnd type="none" w="sm" len="sm"/>
+            <a:tailEnd type="none" w="sm" len="sm"/>
+          </a:ln>
+        </p:spPr>
+        <p:txBody>
+          <a:bodyPr/>
+          <a:lstStyle/>
+          <a:p>
+            <a:pPr defTabSz="609630">
+              <a:defRPr/>
+            </a:pPr>
+            <a:endParaRPr lang="zh-CN" altLang="en-US" sz="1200">
+              <a:solidFill>
+                <a:prstClr val="black"/>
+              </a:solidFill>
+              <a:latin typeface="Calibri"/>
+              <a:ea typeface="宋体" panose="02010600030101010101" pitchFamily="2" charset="-122"/>
+            </a:endParaRPr>
+          </a:p>
+        </p:txBody>
+      </p:sp>
+      <p:grpSp>
+        <p:nvGrpSpPr>
+          <p:cNvPr id="15" name="Group 15"/>
+          <p:cNvGrpSpPr/>
+          <p:nvPr/>
+        </p:nvGrpSpPr>
+        <p:grpSpPr>
+          <a:xfrm>
+            <a:off x="1" y="5813194"/>
+            <a:ext cx="2532529" cy="1061631"/>
+            <a:chOff x="1" y="-1"/>
+            <a:chExt cx="5065058" cy="2123263"/>
+          </a:xfrm>
+        </p:grpSpPr>
+        <p:grpSp>
+          <p:nvGrpSpPr>
+            <p:cNvPr id="16" name="Group 16"/>
+            <p:cNvGrpSpPr/>
+            <p:nvPr/>
+          </p:nvGrpSpPr>
+          <p:grpSpPr>
+            <a:xfrm rot="-5400000">
+              <a:off x="1470898" y="-1470898"/>
+              <a:ext cx="2123263" cy="5065058"/>
+              <a:chOff x="0" y="0"/>
+              <a:chExt cx="419410" cy="1000505"/>
+            </a:xfrm>
+          </p:grpSpPr>
+          <p:sp>
+            <p:nvSpPr>
+              <p:cNvPr id="17" name="Freeform 17"/>
+              <p:cNvSpPr/>
+              <p:nvPr/>
+            </p:nvSpPr>
+            <p:spPr>
+              <a:xfrm>
+                <a:off x="0" y="0"/>
+                <a:ext cx="419410" cy="1000505"/>
+              </a:xfrm>
+              <a:custGeom>
+                <a:avLst/>
+                <a:gdLst/>
+                <a:ahLst/>
+                <a:cxnLst/>
+                <a:rect l="l" t="t" r="r" b="b"/>
+                <a:pathLst>
+                  <a:path w="419410" h="1000505">
+                    <a:moveTo>
+                      <a:pt x="419410" y="0"/>
+                    </a:moveTo>
+                    <a:lnTo>
+                      <a:pt x="419410" y="886205"/>
+                    </a:lnTo>
+                    <a:lnTo>
+                      <a:pt x="209705" y="1000505"/>
+                    </a:lnTo>
+                    <a:lnTo>
+                      <a:pt x="0" y="886205"/>
+                    </a:lnTo>
+                    <a:lnTo>
+                      <a:pt x="0" y="0"/>
+                    </a:lnTo>
+                    <a:lnTo>
+                      <a:pt x="419410" y="0"/>
+                    </a:lnTo>
+                    <a:close/>
+                  </a:path>
+                </a:pathLst>
+              </a:custGeom>
+              <a:solidFill>
+                <a:srgbClr val="FFFFFF"/>
+              </a:solidFill>
+            </p:spPr>
+            <p:txBody>
+              <a:bodyPr/>
+              <a:lstStyle/>
+              <a:p>
+                <a:pPr defTabSz="609630">
+                  <a:defRPr/>
+                </a:pPr>
+                <a:endParaRPr lang="zh-CN" altLang="en-US" sz="1200">
+                  <a:solidFill>
+                    <a:prstClr val="black"/>
+                  </a:solidFill>
+                  <a:latin typeface="Calibri"/>
+                  <a:ea typeface="宋体" panose="02010600030101010101" pitchFamily="2" charset="-122"/>
+                </a:endParaRPr>
+              </a:p>
+            </p:txBody>
+          </p:sp>
+          <p:sp>
+            <p:nvSpPr>
+              <p:cNvPr id="18" name="TextBox 18"/>
+              <p:cNvSpPr txBox="1"/>
+              <p:nvPr/>
+            </p:nvSpPr>
+            <p:spPr>
+              <a:xfrm>
+                <a:off x="0" y="-47625"/>
+                <a:ext cx="635000" cy="746125"/>
+              </a:xfrm>
+              <a:prstGeom prst="rect">
+                <a:avLst/>
+              </a:prstGeom>
+            </p:spPr>
+            <p:txBody>
+              <a:bodyPr lIns="33867" tIns="33867" rIns="33867" bIns="33867" rtlCol="0" anchor="ctr"/>
+              <a:lstStyle/>
+              <a:p>
+                <a:pPr algn="ctr" defTabSz="609630">
+                  <a:lnSpc>
+                    <a:spcPts val="1773"/>
+                  </a:lnSpc>
+                  <a:defRPr/>
+                </a:pPr>
+                <a:endParaRPr sz="1200">
+                  <a:solidFill>
+                    <a:prstClr val="black"/>
+                  </a:solidFill>
+                  <a:latin typeface="Calibri"/>
+                </a:endParaRPr>
+              </a:p>
+            </p:txBody>
+          </p:sp>
+        </p:grpSp>
+        <p:sp>
+          <p:nvSpPr>
+            <p:cNvPr id="19" name="TextBox 19"/>
+            <p:cNvSpPr txBox="1"/>
+            <p:nvPr/>
+          </p:nvSpPr>
+          <p:spPr>
+            <a:xfrm>
+              <a:off x="204073" y="710811"/>
+              <a:ext cx="4040360" cy="660694"/>
+            </a:xfrm>
+            <a:prstGeom prst="rect">
+              <a:avLst/>
+            </a:prstGeom>
+          </p:spPr>
+          <p:txBody>
+            <a:bodyPr lIns="0" tIns="0" rIns="0" bIns="0" rtlCol="0" anchor="t">
+              <a:spAutoFit/>
+            </a:bodyPr>
+            <a:lstStyle/>
+            <a:p>
+              <a:pPr algn="ctr" defTabSz="609630">
+                <a:lnSpc>
+                  <a:spcPts val="2731"/>
+                </a:lnSpc>
+                <a:defRPr/>
+              </a:pPr>
+              <a:r>
+                <a:rPr lang="en-US" sz="2133" b="1" spc="333" dirty="0" err="1">
+                  <a:solidFill>
+                    <a:srgbClr val="304370"/>
+                  </a:solidFill>
+                  <a:latin typeface="Calibri"/>
+                  <a:ea typeface="思源黑体 Medium"/>
+                </a:rPr>
+                <a:t>成果展示</a:t>
+              </a:r>
+              <a:endParaRPr lang="en-US" sz="2133" b="1" spc="333" dirty="0">
+                <a:solidFill>
+                  <a:srgbClr val="304370"/>
+                </a:solidFill>
+                <a:latin typeface="Calibri"/>
+                <a:ea typeface="思源黑体 Medium"/>
+              </a:endParaRPr>
+            </a:p>
+          </p:txBody>
+        </p:sp>
+      </p:grpSp>
+      <p:sp>
+        <p:nvSpPr>
+          <p:cNvPr id="20" name="TextBox 20"/>
+          <p:cNvSpPr txBox="1"/>
+          <p:nvPr/>
+        </p:nvSpPr>
+        <p:spPr>
+          <a:xfrm>
+            <a:off x="379746" y="1916328"/>
+            <a:ext cx="1390705" cy="257186"/>
+          </a:xfrm>
+          <a:prstGeom prst="rect">
+            <a:avLst/>
+          </a:prstGeom>
+        </p:spPr>
+        <p:txBody>
+          <a:bodyPr lIns="0" tIns="0" rIns="0" bIns="0" rtlCol="0" anchor="t">
+            <a:spAutoFit/>
+          </a:bodyPr>
+          <a:lstStyle/>
+          <a:p>
+            <a:pPr algn="ctr" defTabSz="609630">
+              <a:lnSpc>
+                <a:spcPts val="2133"/>
+              </a:lnSpc>
+              <a:defRPr/>
+            </a:pPr>
+            <a:r>
+              <a:rPr lang="en-US" sz="1666" spc="333">
+                <a:solidFill>
+                  <a:srgbClr val="EEF2F5"/>
+                </a:solidFill>
+                <a:latin typeface="Calibri"/>
+                <a:ea typeface="思源黑体 Medium"/>
+              </a:rPr>
+              <a:t>项目简介</a:t>
+            </a:r>
+          </a:p>
+        </p:txBody>
+      </p:sp>
+      <p:sp>
+        <p:nvSpPr>
+          <p:cNvPr id="21" name="TextBox 21"/>
+          <p:cNvSpPr txBox="1"/>
+          <p:nvPr/>
+        </p:nvSpPr>
+        <p:spPr>
+          <a:xfrm>
+            <a:off x="262081" y="2855402"/>
+            <a:ext cx="1558288" cy="257186"/>
+          </a:xfrm>
+          <a:prstGeom prst="rect">
+            <a:avLst/>
+          </a:prstGeom>
+        </p:spPr>
+        <p:txBody>
+          <a:bodyPr lIns="0" tIns="0" rIns="0" bIns="0" rtlCol="0" anchor="t">
+            <a:spAutoFit/>
+          </a:bodyPr>
+          <a:lstStyle/>
+          <a:p>
+            <a:pPr algn="ctr" defTabSz="609630">
+              <a:lnSpc>
+                <a:spcPts val="2133"/>
+              </a:lnSpc>
+              <a:defRPr/>
+            </a:pPr>
+            <a:r>
+              <a:rPr lang="en-US" sz="1666" spc="333">
+                <a:solidFill>
+                  <a:srgbClr val="EEF2F5"/>
+                </a:solidFill>
+                <a:latin typeface="Calibri"/>
+                <a:ea typeface="思源黑体 Medium"/>
+              </a:rPr>
+              <a:t>任务分工</a:t>
+            </a:r>
+          </a:p>
+        </p:txBody>
+      </p:sp>
+      <p:sp>
+        <p:nvSpPr>
+          <p:cNvPr id="22" name="TextBox 22"/>
+          <p:cNvSpPr txBox="1"/>
+          <p:nvPr/>
+        </p:nvSpPr>
+        <p:spPr>
+          <a:xfrm>
+            <a:off x="262081" y="3930378"/>
+            <a:ext cx="1558288" cy="257186"/>
+          </a:xfrm>
+          <a:prstGeom prst="rect">
+            <a:avLst/>
+          </a:prstGeom>
+        </p:spPr>
+        <p:txBody>
+          <a:bodyPr lIns="0" tIns="0" rIns="0" bIns="0" rtlCol="0" anchor="t">
+            <a:spAutoFit/>
+          </a:bodyPr>
+          <a:lstStyle/>
+          <a:p>
+            <a:pPr algn="ctr" defTabSz="609630">
+              <a:lnSpc>
+                <a:spcPts val="2133"/>
+              </a:lnSpc>
+              <a:defRPr/>
+            </a:pPr>
+            <a:r>
+              <a:rPr lang="en-US" sz="1666" spc="333">
+                <a:solidFill>
+                  <a:srgbClr val="EEF2F5"/>
+                </a:solidFill>
+                <a:latin typeface="Calibri"/>
+                <a:ea typeface="思源黑体 Medium"/>
+              </a:rPr>
+              <a:t>项目总体规划</a:t>
+            </a:r>
+          </a:p>
+        </p:txBody>
+      </p:sp>
+      <p:sp>
+        <p:nvSpPr>
+          <p:cNvPr id="23" name="TextBox 23"/>
+          <p:cNvSpPr txBox="1"/>
+          <p:nvPr/>
+        </p:nvSpPr>
+        <p:spPr>
+          <a:xfrm>
+            <a:off x="262082" y="5113583"/>
+            <a:ext cx="1545397" cy="257186"/>
+          </a:xfrm>
+          <a:prstGeom prst="rect">
+            <a:avLst/>
+          </a:prstGeom>
+        </p:spPr>
+        <p:txBody>
+          <a:bodyPr lIns="0" tIns="0" rIns="0" bIns="0" rtlCol="0" anchor="t">
+            <a:spAutoFit/>
+          </a:bodyPr>
+          <a:lstStyle/>
+          <a:p>
+            <a:pPr algn="ctr" defTabSz="609630">
+              <a:lnSpc>
+                <a:spcPts val="2133"/>
+              </a:lnSpc>
+              <a:defRPr/>
+            </a:pPr>
+            <a:r>
+              <a:rPr lang="en-US" sz="1666" spc="333">
+                <a:solidFill>
+                  <a:srgbClr val="EEF2F5"/>
+                </a:solidFill>
+                <a:latin typeface="Calibri"/>
+                <a:ea typeface="思源黑体 Medium"/>
+              </a:rPr>
+              <a:t>基线需求分析</a:t>
+            </a:r>
+          </a:p>
+        </p:txBody>
+      </p:sp>
+      <p:sp>
+        <p:nvSpPr>
+          <p:cNvPr id="24" name="AutoShape 24"/>
+          <p:cNvSpPr/>
+          <p:nvPr/>
+        </p:nvSpPr>
+        <p:spPr>
+          <a:xfrm>
+            <a:off x="-19241" y="4643929"/>
+            <a:ext cx="2224252" cy="0"/>
+          </a:xfrm>
+          <a:prstGeom prst="line">
+            <a:avLst/>
+          </a:prstGeom>
+          <a:ln w="19050" cap="flat">
+            <a:solidFill>
+              <a:srgbClr val="EEF2F5"/>
+            </a:solidFill>
+            <a:prstDash val="solid"/>
+            <a:headEnd type="none" w="sm" len="sm"/>
+            <a:tailEnd type="none" w="sm" len="sm"/>
+          </a:ln>
+        </p:spPr>
+        <p:txBody>
+          <a:bodyPr/>
+          <a:lstStyle/>
+          <a:p>
+            <a:pPr defTabSz="609630">
+              <a:defRPr/>
+            </a:pPr>
+            <a:endParaRPr lang="zh-CN" altLang="en-US" sz="1200">
+              <a:solidFill>
+                <a:prstClr val="black"/>
+              </a:solidFill>
+              <a:latin typeface="Calibri"/>
+              <a:ea typeface="宋体" panose="02010600030101010101" pitchFamily="2" charset="-122"/>
+            </a:endParaRPr>
+          </a:p>
+        </p:txBody>
+      </p:sp>
+      <p:pic>
+        <p:nvPicPr>
+          <p:cNvPr id="26" name="图片 25">
+            <a:extLst>
+              <a:ext uri="{FF2B5EF4-FFF2-40B4-BE49-F238E27FC236}">
+                <a16:creationId xmlns:a16="http://schemas.microsoft.com/office/drawing/2014/main" id="{4DF4CB31-348B-2447-36EF-DEAF77D34208}"/>
+              </a:ext>
+            </a:extLst>
+          </p:cNvPr>
+          <p:cNvPicPr>
+            <a:picLocks noChangeAspect="1"/>
+          </p:cNvPicPr>
+          <p:nvPr/>
+        </p:nvPicPr>
+        <p:blipFill>
+          <a:blip r:embed="rId8">
+            <a:extLst>
+              <a:ext uri="{28A0092B-C50C-407E-A947-70E740481C1C}">
+                <a14:useLocalDpi xmlns:a14="http://schemas.microsoft.com/office/drawing/2010/main" val="0"/>
+              </a:ext>
+            </a:extLst>
+          </a:blip>
+          <a:stretch>
+            <a:fillRect/>
+          </a:stretch>
+        </p:blipFill>
+        <p:spPr>
+          <a:xfrm>
+            <a:off x="2910053" y="201679"/>
+            <a:ext cx="4656223" cy="3429297"/>
+          </a:xfrm>
+          <a:prstGeom prst="rect">
+            <a:avLst/>
+          </a:prstGeom>
+        </p:spPr>
+      </p:pic>
+      <p:pic>
+        <p:nvPicPr>
+          <p:cNvPr id="28" name="图片 27">
+            <a:extLst>
+              <a:ext uri="{FF2B5EF4-FFF2-40B4-BE49-F238E27FC236}">
+                <a16:creationId xmlns:a16="http://schemas.microsoft.com/office/drawing/2014/main" id="{C114FF7E-EDC0-7EA4-D708-465AE4B09936}"/>
+              </a:ext>
+            </a:extLst>
+          </p:cNvPr>
+          <p:cNvPicPr>
+            <a:picLocks noChangeAspect="1"/>
+          </p:cNvPicPr>
+          <p:nvPr/>
+        </p:nvPicPr>
+        <p:blipFill>
+          <a:blip r:embed="rId9">
+            <a:extLst>
+              <a:ext uri="{28A0092B-C50C-407E-A947-70E740481C1C}">
+                <a14:useLocalDpi xmlns:a14="http://schemas.microsoft.com/office/drawing/2010/main" val="0"/>
+              </a:ext>
+            </a:extLst>
+          </a:blip>
+          <a:stretch>
+            <a:fillRect/>
+          </a:stretch>
+        </p:blipFill>
+        <p:spPr>
+          <a:xfrm>
+            <a:off x="5990069" y="1283755"/>
+            <a:ext cx="5822185" cy="5372566"/>
+          </a:xfrm>
+          <a:prstGeom prst="rect">
+            <a:avLst/>
+          </a:prstGeom>
+        </p:spPr>
+      </p:pic>
+    </p:spTree>
+    <p:extLst>
+      <p:ext uri="{BB962C8B-B14F-4D97-AF65-F5344CB8AC3E}">
+        <p14:creationId xmlns:p14="http://schemas.microsoft.com/office/powerpoint/2010/main" val="3024115996"/>
+      </p:ext>
+    </p:extLst>
   </p:cSld>
   <p:clrMapOvr>
     <a:masterClrMapping/>
@@ -14131,6 +15827,422 @@
                 <a:latin typeface="+mj-ea"/>
                 <a:ea typeface="+mj-ea"/>
               </a:endParaRPr>
+            </a:p>
+          </p:txBody>
+        </p:sp>
+      </p:grpSp>
+    </p:spTree>
+  </p:cSld>
+  <p:clrMapOvr>
+    <a:masterClrMapping/>
+  </p:clrMapOvr>
+  <p:transition>
+    <p:fade/>
+  </p:transition>
+</p:sld>
+</file>
+
+<file path=ppt/slides/slide20.xml><?xml version="1.0" encoding="utf-8"?>
+<p:sld xmlns:a="http://schemas.openxmlformats.org/drawingml/2006/main" xmlns:r="http://schemas.openxmlformats.org/officeDocument/2006/relationships" xmlns:p="http://schemas.openxmlformats.org/presentationml/2006/main">
+  <p:cSld>
+    <p:spTree>
+      <p:nvGrpSpPr>
+        <p:cNvPr id="1" name=""/>
+        <p:cNvGrpSpPr/>
+        <p:nvPr/>
+      </p:nvGrpSpPr>
+      <p:grpSpPr>
+        <a:xfrm>
+          <a:off x="0" y="0"/>
+          <a:ext cx="0" cy="0"/>
+          <a:chOff x="0" y="0"/>
+          <a:chExt cx="0" cy="0"/>
+        </a:xfrm>
+      </p:grpSpPr>
+      <p:grpSp>
+        <p:nvGrpSpPr>
+          <p:cNvPr id="2" name="Group 2"/>
+          <p:cNvGrpSpPr/>
+          <p:nvPr/>
+        </p:nvGrpSpPr>
+        <p:grpSpPr>
+          <a:xfrm>
+            <a:off x="0" y="0"/>
+            <a:ext cx="12192000" cy="5145525"/>
+            <a:chOff x="0" y="0"/>
+            <a:chExt cx="4816593" cy="2032800"/>
+          </a:xfrm>
+        </p:grpSpPr>
+        <p:sp>
+          <p:nvSpPr>
+            <p:cNvPr id="3" name="Freeform 3"/>
+            <p:cNvSpPr/>
+            <p:nvPr/>
+          </p:nvSpPr>
+          <p:spPr>
+            <a:xfrm>
+              <a:off x="0" y="0"/>
+              <a:ext cx="4816592" cy="2032800"/>
+            </a:xfrm>
+            <a:custGeom>
+              <a:avLst/>
+              <a:gdLst/>
+              <a:ahLst/>
+              <a:cxnLst/>
+              <a:rect l="l" t="t" r="r" b="b"/>
+              <a:pathLst>
+                <a:path w="4816592" h="2032800">
+                  <a:moveTo>
+                    <a:pt x="0" y="0"/>
+                  </a:moveTo>
+                  <a:lnTo>
+                    <a:pt x="4816592" y="0"/>
+                  </a:lnTo>
+                  <a:lnTo>
+                    <a:pt x="4816592" y="2032800"/>
+                  </a:lnTo>
+                  <a:lnTo>
+                    <a:pt x="0" y="2032800"/>
+                  </a:lnTo>
+                  <a:close/>
+                </a:path>
+              </a:pathLst>
+            </a:custGeom>
+            <a:solidFill>
+              <a:srgbClr val="304370"/>
+            </a:solidFill>
+          </p:spPr>
+          <p:txBody>
+            <a:bodyPr/>
+            <a:lstStyle/>
+            <a:p>
+              <a:endParaRPr lang="zh-CN" altLang="en-US" sz="1200"/>
+            </a:p>
+          </p:txBody>
+        </p:sp>
+        <p:sp>
+          <p:nvSpPr>
+            <p:cNvPr id="4" name="TextBox 4"/>
+            <p:cNvSpPr txBox="1"/>
+            <p:nvPr/>
+          </p:nvSpPr>
+          <p:spPr>
+            <a:xfrm>
+              <a:off x="0" y="-47625"/>
+              <a:ext cx="812800" cy="860425"/>
+            </a:xfrm>
+            <a:prstGeom prst="rect">
+              <a:avLst/>
+            </a:prstGeom>
+          </p:spPr>
+          <p:txBody>
+            <a:bodyPr lIns="33867" tIns="33867" rIns="33867" bIns="33867" rtlCol="0" anchor="ctr"/>
+            <a:lstStyle/>
+            <a:p>
+              <a:pPr algn="ctr">
+                <a:lnSpc>
+                  <a:spcPts val="1773"/>
+                </a:lnSpc>
+              </a:pPr>
+              <a:endParaRPr sz="1200"/>
+            </a:p>
+          </p:txBody>
+        </p:sp>
+      </p:grpSp>
+      <p:sp>
+        <p:nvSpPr>
+          <p:cNvPr id="5" name="TextBox 5"/>
+          <p:cNvSpPr txBox="1"/>
+          <p:nvPr/>
+        </p:nvSpPr>
+        <p:spPr>
+          <a:xfrm>
+            <a:off x="841378" y="3001068"/>
+            <a:ext cx="10509244" cy="692497"/>
+          </a:xfrm>
+          <a:prstGeom prst="rect">
+            <a:avLst/>
+          </a:prstGeom>
+        </p:spPr>
+        <p:txBody>
+          <a:bodyPr lIns="0" tIns="0" rIns="0" bIns="0" rtlCol="0" anchor="t">
+            <a:spAutoFit/>
+          </a:bodyPr>
+          <a:lstStyle/>
+          <a:p>
+            <a:pPr algn="ctr">
+              <a:lnSpc>
+                <a:spcPts val="5397"/>
+              </a:lnSpc>
+            </a:pPr>
+            <a:r>
+              <a:rPr lang="en-US" sz="4906" spc="490" dirty="0" err="1">
+                <a:solidFill>
+                  <a:srgbClr val="FFFFFF"/>
+                </a:solidFill>
+                <a:ea typeface="思源黑体 Bold"/>
+              </a:rPr>
+              <a:t>谢谢大家</a:t>
+            </a:r>
+            <a:endParaRPr lang="en-US" sz="4906" spc="490" dirty="0">
+              <a:solidFill>
+                <a:srgbClr val="FFFFFF"/>
+              </a:solidFill>
+              <a:ea typeface="思源黑体 Bold"/>
+            </a:endParaRPr>
+          </a:p>
+        </p:txBody>
+      </p:sp>
+      <p:sp>
+        <p:nvSpPr>
+          <p:cNvPr id="6" name="TextBox 6"/>
+          <p:cNvSpPr txBox="1"/>
+          <p:nvPr/>
+        </p:nvSpPr>
+        <p:spPr>
+          <a:xfrm>
+            <a:off x="841378" y="1876105"/>
+            <a:ext cx="10509244" cy="974626"/>
+          </a:xfrm>
+          <a:prstGeom prst="rect">
+            <a:avLst/>
+          </a:prstGeom>
+        </p:spPr>
+        <p:txBody>
+          <a:bodyPr lIns="0" tIns="0" rIns="0" bIns="0" rtlCol="0" anchor="t">
+            <a:spAutoFit/>
+          </a:bodyPr>
+          <a:lstStyle/>
+          <a:p>
+            <a:pPr algn="ctr">
+              <a:lnSpc>
+                <a:spcPts val="7596"/>
+              </a:lnSpc>
+            </a:pPr>
+            <a:r>
+              <a:rPr lang="en-US" sz="6906" spc="338">
+                <a:solidFill>
+                  <a:srgbClr val="FFFFFF"/>
+                </a:solidFill>
+                <a:latin typeface="思源黑体 Heavy"/>
+              </a:rPr>
+              <a:t>THANK YOU</a:t>
+            </a:r>
+          </a:p>
+        </p:txBody>
+      </p:sp>
+      <p:grpSp>
+        <p:nvGrpSpPr>
+          <p:cNvPr id="7" name="Group 7"/>
+          <p:cNvGrpSpPr/>
+          <p:nvPr/>
+        </p:nvGrpSpPr>
+        <p:grpSpPr>
+          <a:xfrm>
+            <a:off x="4001054" y="5783575"/>
+            <a:ext cx="4189893" cy="388625"/>
+            <a:chOff x="0" y="0"/>
+            <a:chExt cx="8379787" cy="777251"/>
+          </a:xfrm>
+        </p:grpSpPr>
+        <p:grpSp>
+          <p:nvGrpSpPr>
+            <p:cNvPr id="8" name="Group 8"/>
+            <p:cNvGrpSpPr/>
+            <p:nvPr/>
+          </p:nvGrpSpPr>
+          <p:grpSpPr>
+            <a:xfrm>
+              <a:off x="0" y="0"/>
+              <a:ext cx="777251" cy="777251"/>
+              <a:chOff x="0" y="0"/>
+              <a:chExt cx="812800" cy="812800"/>
+            </a:xfrm>
+          </p:grpSpPr>
+          <p:sp>
+            <p:nvSpPr>
+              <p:cNvPr id="9" name="Freeform 9"/>
+              <p:cNvSpPr/>
+              <p:nvPr/>
+            </p:nvSpPr>
+            <p:spPr>
+              <a:xfrm>
+                <a:off x="0" y="0"/>
+                <a:ext cx="812800" cy="812800"/>
+              </a:xfrm>
+              <a:custGeom>
+                <a:avLst/>
+                <a:gdLst/>
+                <a:ahLst/>
+                <a:cxnLst/>
+                <a:rect l="l" t="t" r="r" b="b"/>
+                <a:pathLst>
+                  <a:path w="812800" h="812800">
+                    <a:moveTo>
+                      <a:pt x="406400" y="0"/>
+                    </a:moveTo>
+                    <a:cubicBezTo>
+                      <a:pt x="181951" y="0"/>
+                      <a:pt x="0" y="181951"/>
+                      <a:pt x="0" y="406400"/>
+                    </a:cubicBezTo>
+                    <a:cubicBezTo>
+                      <a:pt x="0" y="630849"/>
+                      <a:pt x="181951" y="812800"/>
+                      <a:pt x="406400" y="812800"/>
+                    </a:cubicBezTo>
+                    <a:cubicBezTo>
+                      <a:pt x="630849" y="812800"/>
+                      <a:pt x="812800" y="630849"/>
+                      <a:pt x="812800" y="406400"/>
+                    </a:cubicBezTo>
+                    <a:cubicBezTo>
+                      <a:pt x="812800" y="181951"/>
+                      <a:pt x="630849" y="0"/>
+                      <a:pt x="406400" y="0"/>
+                    </a:cubicBezTo>
+                    <a:close/>
+                  </a:path>
+                </a:pathLst>
+              </a:custGeom>
+              <a:solidFill>
+                <a:srgbClr val="304370"/>
+              </a:solidFill>
+            </p:spPr>
+            <p:txBody>
+              <a:bodyPr/>
+              <a:lstStyle/>
+              <a:p>
+                <a:endParaRPr lang="zh-CN" altLang="en-US" sz="1200"/>
+              </a:p>
+            </p:txBody>
+          </p:sp>
+          <p:sp>
+            <p:nvSpPr>
+              <p:cNvPr id="10" name="TextBox 10"/>
+              <p:cNvSpPr txBox="1"/>
+              <p:nvPr/>
+            </p:nvSpPr>
+            <p:spPr>
+              <a:xfrm>
+                <a:off x="76200" y="28575"/>
+                <a:ext cx="660400" cy="708025"/>
+              </a:xfrm>
+              <a:prstGeom prst="rect">
+                <a:avLst/>
+              </a:prstGeom>
+            </p:spPr>
+            <p:txBody>
+              <a:bodyPr lIns="33867" tIns="33867" rIns="33867" bIns="33867" rtlCol="0" anchor="ctr"/>
+              <a:lstStyle/>
+              <a:p>
+                <a:pPr algn="ctr">
+                  <a:lnSpc>
+                    <a:spcPts val="1773"/>
+                  </a:lnSpc>
+                </a:pPr>
+                <a:endParaRPr sz="1200"/>
+              </a:p>
+            </p:txBody>
+          </p:sp>
+        </p:grpSp>
+        <p:sp>
+          <p:nvSpPr>
+            <p:cNvPr id="11" name="Freeform 11"/>
+            <p:cNvSpPr/>
+            <p:nvPr/>
+          </p:nvSpPr>
+          <p:spPr>
+            <a:xfrm>
+              <a:off x="229577" y="200533"/>
+              <a:ext cx="318097" cy="376184"/>
+            </a:xfrm>
+            <a:custGeom>
+              <a:avLst/>
+              <a:gdLst/>
+              <a:ahLst/>
+              <a:cxnLst/>
+              <a:rect l="l" t="t" r="r" b="b"/>
+              <a:pathLst>
+                <a:path w="318097" h="376184">
+                  <a:moveTo>
+                    <a:pt x="0" y="0"/>
+                  </a:moveTo>
+                  <a:lnTo>
+                    <a:pt x="318097" y="0"/>
+                  </a:lnTo>
+                  <a:lnTo>
+                    <a:pt x="318097" y="376185"/>
+                  </a:lnTo>
+                  <a:lnTo>
+                    <a:pt x="0" y="376185"/>
+                  </a:lnTo>
+                  <a:lnTo>
+                    <a:pt x="0" y="0"/>
+                  </a:lnTo>
+                  <a:close/>
+                </a:path>
+              </a:pathLst>
+            </a:custGeom>
+            <a:blipFill>
+              <a:blip r:embed="rId2">
+                <a:extLst>
+                  <a:ext uri="{96DAC541-7B7A-43D3-8B79-37D633B846F1}">
+                    <asvg:svgBlip xmlns:asvg="http://schemas.microsoft.com/office/drawing/2016/SVG/main" r:embed="rId3"/>
+                  </a:ext>
+                </a:extLst>
+              </a:blip>
+              <a:stretch>
+                <a:fillRect/>
+              </a:stretch>
+            </a:blipFill>
+          </p:spPr>
+          <p:txBody>
+            <a:bodyPr/>
+            <a:lstStyle/>
+            <a:p>
+              <a:endParaRPr lang="zh-CN" altLang="en-US" sz="1200"/>
+            </a:p>
+          </p:txBody>
+        </p:sp>
+        <p:sp>
+          <p:nvSpPr>
+            <p:cNvPr id="12" name="TextBox 12"/>
+            <p:cNvSpPr txBox="1"/>
+            <p:nvPr/>
+          </p:nvSpPr>
+          <p:spPr>
+            <a:xfrm>
+              <a:off x="996338" y="118642"/>
+              <a:ext cx="7383449" cy="530147"/>
+            </a:xfrm>
+            <a:prstGeom prst="rect">
+              <a:avLst/>
+            </a:prstGeom>
+          </p:spPr>
+          <p:txBody>
+            <a:bodyPr lIns="0" tIns="0" rIns="0" bIns="0" rtlCol="0" anchor="t">
+              <a:spAutoFit/>
+            </a:bodyPr>
+            <a:lstStyle/>
+            <a:p>
+              <a:pPr>
+                <a:lnSpc>
+                  <a:spcPts val="2239"/>
+                </a:lnSpc>
+                <a:spcBef>
+                  <a:spcPct val="0"/>
+                </a:spcBef>
+              </a:pPr>
+              <a:r>
+                <a:rPr lang="en-US" sz="1599" spc="239">
+                  <a:solidFill>
+                    <a:srgbClr val="304370"/>
+                  </a:solidFill>
+                  <a:ea typeface="思源黑体 Medium"/>
+                </a:rPr>
+                <a:t>汪金武 张鑫豪 许森坤 邹耀瑶</a:t>
+              </a:r>
             </a:p>
           </p:txBody>
         </p:sp>
